--- a/HarcoreUniversity.pptx
+++ b/HarcoreUniversity.pptx
@@ -174,7 +174,7 @@
           <a:noFill/>
           <a:extLst>
             <a:ext uri="{909E8E84-426E-40dd-AFC4-6F175D3DCCD1}">
-              <a14:hiddenFill xmlns:a14="http://schemas.microsoft.com/office/drawing/2010/main" xmlns="">
+              <a14:hiddenFill xmlns="" xmlns:a14="http://schemas.microsoft.com/office/drawing/2010/main">
                 <a:solidFill>
                   <a:srgbClr val="FFFFFF"/>
                 </a:solidFill>
@@ -233,7 +233,7 @@
             </a:ln>
             <a:extLst>
               <a:ext uri="{91240B29-F687-4f45-9708-019B960494DF}">
-                <a14:hiddenLine xmlns:a14="http://schemas.microsoft.com/office/drawing/2010/main" xmlns="" w="9525">
+                <a14:hiddenLine xmlns="" xmlns:a14="http://schemas.microsoft.com/office/drawing/2010/main" w="9525">
                   <a:solidFill>
                     <a:srgbClr val="000000"/>
                   </a:solidFill>
@@ -323,7 +323,7 @@
             </a:ln>
             <a:extLst>
               <a:ext uri="{91240B29-F687-4f45-9708-019B960494DF}">
-                <a14:hiddenLine xmlns:a14="http://schemas.microsoft.com/office/drawing/2010/main" xmlns="" w="9525">
+                <a14:hiddenLine xmlns="" xmlns:a14="http://schemas.microsoft.com/office/drawing/2010/main" w="9525">
                   <a:solidFill>
                     <a:srgbClr val="000000"/>
                   </a:solidFill>
@@ -413,7 +413,7 @@
             </a:ln>
             <a:extLst>
               <a:ext uri="{91240B29-F687-4f45-9708-019B960494DF}">
-                <a14:hiddenLine xmlns:a14="http://schemas.microsoft.com/office/drawing/2010/main" xmlns="" w="9525">
+                <a14:hiddenLine xmlns="" xmlns:a14="http://schemas.microsoft.com/office/drawing/2010/main" w="9525">
                   <a:solidFill>
                     <a:srgbClr val="000000"/>
                   </a:solidFill>
@@ -447,7 +447,7 @@
             </a:ln>
             <a:extLst>
               <a:ext uri="{91240B29-F687-4f45-9708-019B960494DF}">
-                <a14:hiddenLine xmlns:a14="http://schemas.microsoft.com/office/drawing/2010/main" xmlns="" w="9525">
+                <a14:hiddenLine xmlns="" xmlns:a14="http://schemas.microsoft.com/office/drawing/2010/main" w="9525">
                   <a:solidFill>
                     <a:srgbClr val="000000"/>
                   </a:solidFill>
@@ -537,7 +537,7 @@
             </a:ln>
             <a:extLst>
               <a:ext uri="{91240B29-F687-4f45-9708-019B960494DF}">
-                <a14:hiddenLine xmlns:a14="http://schemas.microsoft.com/office/drawing/2010/main" xmlns="" w="9525">
+                <a14:hiddenLine xmlns="" xmlns:a14="http://schemas.microsoft.com/office/drawing/2010/main" w="9525">
                   <a:solidFill>
                     <a:srgbClr val="000000"/>
                   </a:solidFill>
@@ -599,7 +599,7 @@
             </a:ln>
             <a:extLst>
               <a:ext uri="{91240B29-F687-4f45-9708-019B960494DF}">
-                <a14:hiddenLine xmlns:a14="http://schemas.microsoft.com/office/drawing/2010/main" xmlns="" w="9525">
+                <a14:hiddenLine xmlns="" xmlns:a14="http://schemas.microsoft.com/office/drawing/2010/main" w="9525">
                   <a:solidFill>
                     <a:srgbClr val="000000"/>
                   </a:solidFill>
@@ -661,7 +661,7 @@
             </a:ln>
             <a:extLst>
               <a:ext uri="{91240B29-F687-4f45-9708-019B960494DF}">
-                <a14:hiddenLine xmlns:a14="http://schemas.microsoft.com/office/drawing/2010/main" xmlns="" w="9525">
+                <a14:hiddenLine xmlns="" xmlns:a14="http://schemas.microsoft.com/office/drawing/2010/main" w="9525">
                   <a:solidFill>
                     <a:srgbClr val="000000"/>
                   </a:solidFill>
@@ -751,7 +751,7 @@
             </a:ln>
             <a:extLst>
               <a:ext uri="{91240B29-F687-4f45-9708-019B960494DF}">
-                <a14:hiddenLine xmlns:a14="http://schemas.microsoft.com/office/drawing/2010/main" xmlns="" w="9525">
+                <a14:hiddenLine xmlns="" xmlns:a14="http://schemas.microsoft.com/office/drawing/2010/main" w="9525">
                   <a:solidFill>
                     <a:srgbClr val="000000"/>
                   </a:solidFill>
@@ -813,7 +813,7 @@
             </a:ln>
             <a:extLst>
               <a:ext uri="{91240B29-F687-4f45-9708-019B960494DF}">
-                <a14:hiddenLine xmlns:a14="http://schemas.microsoft.com/office/drawing/2010/main" xmlns="" w="9525">
+                <a14:hiddenLine xmlns="" xmlns:a14="http://schemas.microsoft.com/office/drawing/2010/main" w="9525">
                   <a:solidFill>
                     <a:srgbClr val="000000"/>
                   </a:solidFill>
@@ -875,7 +875,7 @@
             </a:ln>
             <a:extLst>
               <a:ext uri="{91240B29-F687-4f45-9708-019B960494DF}">
-                <a14:hiddenLine xmlns:a14="http://schemas.microsoft.com/office/drawing/2010/main" xmlns="" w="9525">
+                <a14:hiddenLine xmlns="" xmlns:a14="http://schemas.microsoft.com/office/drawing/2010/main" w="9525">
                   <a:solidFill>
                     <a:srgbClr val="000000"/>
                   </a:solidFill>
@@ -965,7 +965,7 @@
             </a:ln>
             <a:extLst>
               <a:ext uri="{91240B29-F687-4f45-9708-019B960494DF}">
-                <a14:hiddenLine xmlns:a14="http://schemas.microsoft.com/office/drawing/2010/main" xmlns="" w="9525">
+                <a14:hiddenLine xmlns="" xmlns:a14="http://schemas.microsoft.com/office/drawing/2010/main" w="9525">
                   <a:solidFill>
                     <a:srgbClr val="000000"/>
                   </a:solidFill>
@@ -1055,7 +1055,7 @@
             </a:ln>
             <a:extLst>
               <a:ext uri="{91240B29-F687-4f45-9708-019B960494DF}">
-                <a14:hiddenLine xmlns:a14="http://schemas.microsoft.com/office/drawing/2010/main" xmlns="" w="9525">
+                <a14:hiddenLine xmlns="" xmlns:a14="http://schemas.microsoft.com/office/drawing/2010/main" w="9525">
                   <a:solidFill>
                     <a:srgbClr val="000000"/>
                   </a:solidFill>
@@ -1117,7 +1117,7 @@
             </a:ln>
             <a:extLst>
               <a:ext uri="{91240B29-F687-4f45-9708-019B960494DF}">
-                <a14:hiddenLine xmlns:a14="http://schemas.microsoft.com/office/drawing/2010/main" xmlns="" w="9525">
+                <a14:hiddenLine xmlns="" xmlns:a14="http://schemas.microsoft.com/office/drawing/2010/main" w="9525">
                   <a:solidFill>
                     <a:srgbClr val="000000"/>
                   </a:solidFill>
@@ -1227,7 +1227,7 @@
             </a:ln>
             <a:extLst>
               <a:ext uri="{91240B29-F687-4f45-9708-019B960494DF}">
-                <a14:hiddenLine xmlns:a14="http://schemas.microsoft.com/office/drawing/2010/main" xmlns="" w="9525">
+                <a14:hiddenLine xmlns="" xmlns:a14="http://schemas.microsoft.com/office/drawing/2010/main" w="9525">
                   <a:solidFill>
                     <a:srgbClr val="000000"/>
                   </a:solidFill>
@@ -1289,7 +1289,7 @@
             </a:ln>
             <a:extLst>
               <a:ext uri="{91240B29-F687-4f45-9708-019B960494DF}">
-                <a14:hiddenLine xmlns:a14="http://schemas.microsoft.com/office/drawing/2010/main" xmlns="" w="9525">
+                <a14:hiddenLine xmlns="" xmlns:a14="http://schemas.microsoft.com/office/drawing/2010/main" w="9525">
                   <a:solidFill>
                     <a:srgbClr val="000000"/>
                   </a:solidFill>
@@ -1379,7 +1379,7 @@
             </a:ln>
             <a:extLst>
               <a:ext uri="{91240B29-F687-4f45-9708-019B960494DF}">
-                <a14:hiddenLine xmlns:a14="http://schemas.microsoft.com/office/drawing/2010/main" xmlns="" w="9525">
+                <a14:hiddenLine xmlns="" xmlns:a14="http://schemas.microsoft.com/office/drawing/2010/main" w="9525">
                   <a:solidFill>
                     <a:srgbClr val="000000"/>
                   </a:solidFill>
@@ -1469,7 +1469,7 @@
             </a:ln>
             <a:extLst>
               <a:ext uri="{91240B29-F687-4f45-9708-019B960494DF}">
-                <a14:hiddenLine xmlns:a14="http://schemas.microsoft.com/office/drawing/2010/main" xmlns="" w="9525">
+                <a14:hiddenLine xmlns="" xmlns:a14="http://schemas.microsoft.com/office/drawing/2010/main" w="9525">
                   <a:solidFill>
                     <a:srgbClr val="000000"/>
                   </a:solidFill>
@@ -1531,7 +1531,7 @@
             </a:ln>
             <a:extLst>
               <a:ext uri="{91240B29-F687-4f45-9708-019B960494DF}">
-                <a14:hiddenLine xmlns:a14="http://schemas.microsoft.com/office/drawing/2010/main" xmlns="" w="9525">
+                <a14:hiddenLine xmlns="" xmlns:a14="http://schemas.microsoft.com/office/drawing/2010/main" w="9525">
                   <a:solidFill>
                     <a:srgbClr val="000000"/>
                   </a:solidFill>
@@ -1621,7 +1621,7 @@
             </a:ln>
             <a:extLst>
               <a:ext uri="{91240B29-F687-4f45-9708-019B960494DF}">
-                <a14:hiddenLine xmlns:a14="http://schemas.microsoft.com/office/drawing/2010/main" xmlns="" w="9525">
+                <a14:hiddenLine xmlns="" xmlns:a14="http://schemas.microsoft.com/office/drawing/2010/main" w="9525">
                   <a:solidFill>
                     <a:srgbClr val="000000"/>
                   </a:solidFill>
@@ -1711,7 +1711,7 @@
             </a:ln>
             <a:extLst>
               <a:ext uri="{91240B29-F687-4f45-9708-019B960494DF}">
-                <a14:hiddenLine xmlns:a14="http://schemas.microsoft.com/office/drawing/2010/main" xmlns="" w="9525">
+                <a14:hiddenLine xmlns="" xmlns:a14="http://schemas.microsoft.com/office/drawing/2010/main" w="9525">
                   <a:solidFill>
                     <a:srgbClr val="000000"/>
                   </a:solidFill>
@@ -1767,7 +1767,7 @@
             </a:ln>
             <a:extLst>
               <a:ext uri="{91240B29-F687-4f45-9708-019B960494DF}">
-                <a14:hiddenLine xmlns:a14="http://schemas.microsoft.com/office/drawing/2010/main" xmlns="" w="9525">
+                <a14:hiddenLine xmlns="" xmlns:a14="http://schemas.microsoft.com/office/drawing/2010/main" w="9525">
                   <a:solidFill>
                     <a:srgbClr val="000000"/>
                   </a:solidFill>
@@ -1857,7 +1857,7 @@
             </a:ln>
             <a:extLst>
               <a:ext uri="{91240B29-F687-4f45-9708-019B960494DF}">
-                <a14:hiddenLine xmlns:a14="http://schemas.microsoft.com/office/drawing/2010/main" xmlns="" w="9525">
+                <a14:hiddenLine xmlns="" xmlns:a14="http://schemas.microsoft.com/office/drawing/2010/main" w="9525">
                   <a:solidFill>
                     <a:srgbClr val="000000"/>
                   </a:solidFill>
@@ -1913,7 +1913,7 @@
             </a:ln>
             <a:extLst>
               <a:ext uri="{91240B29-F687-4f45-9708-019B960494DF}">
-                <a14:hiddenLine xmlns:a14="http://schemas.microsoft.com/office/drawing/2010/main" xmlns="" w="9525">
+                <a14:hiddenLine xmlns="" xmlns:a14="http://schemas.microsoft.com/office/drawing/2010/main" w="9525">
                   <a:solidFill>
                     <a:srgbClr val="000000"/>
                   </a:solidFill>
@@ -2003,7 +2003,7 @@
             </a:ln>
             <a:extLst>
               <a:ext uri="{91240B29-F687-4f45-9708-019B960494DF}">
-                <a14:hiddenLine xmlns:a14="http://schemas.microsoft.com/office/drawing/2010/main" xmlns="" w="9525">
+                <a14:hiddenLine xmlns="" xmlns:a14="http://schemas.microsoft.com/office/drawing/2010/main" w="9525">
                   <a:solidFill>
                     <a:srgbClr val="000000"/>
                   </a:solidFill>
@@ -2071,7 +2071,7 @@
             </a:ln>
             <a:extLst>
               <a:ext uri="{91240B29-F687-4f45-9708-019B960494DF}">
-                <a14:hiddenLine xmlns:a14="http://schemas.microsoft.com/office/drawing/2010/main" xmlns="" w="9525">
+                <a14:hiddenLine xmlns="" xmlns:a14="http://schemas.microsoft.com/office/drawing/2010/main" w="9525">
                   <a:solidFill>
                     <a:srgbClr val="000000"/>
                   </a:solidFill>
@@ -2161,7 +2161,7 @@
             </a:ln>
             <a:extLst>
               <a:ext uri="{91240B29-F687-4f45-9708-019B960494DF}">
-                <a14:hiddenLine xmlns:a14="http://schemas.microsoft.com/office/drawing/2010/main" xmlns="" w="9525">
+                <a14:hiddenLine xmlns="" xmlns:a14="http://schemas.microsoft.com/office/drawing/2010/main" w="9525">
                   <a:solidFill>
                     <a:srgbClr val="000000"/>
                   </a:solidFill>
@@ -2229,7 +2229,7 @@
             </a:ln>
             <a:extLst>
               <a:ext uri="{91240B29-F687-4f45-9708-019B960494DF}">
-                <a14:hiddenLine xmlns:a14="http://schemas.microsoft.com/office/drawing/2010/main" xmlns="" w="9525">
+                <a14:hiddenLine xmlns="" xmlns:a14="http://schemas.microsoft.com/office/drawing/2010/main" w="9525">
                   <a:solidFill>
                     <a:srgbClr val="000000"/>
                   </a:solidFill>
@@ -2319,7 +2319,7 @@
             </a:ln>
             <a:extLst>
               <a:ext uri="{91240B29-F687-4f45-9708-019B960494DF}">
-                <a14:hiddenLine xmlns:a14="http://schemas.microsoft.com/office/drawing/2010/main" xmlns="" w="9525">
+                <a14:hiddenLine xmlns="" xmlns:a14="http://schemas.microsoft.com/office/drawing/2010/main" w="9525">
                   <a:solidFill>
                     <a:srgbClr val="000000"/>
                   </a:solidFill>
@@ -2353,7 +2353,7 @@
             </a:ln>
             <a:extLst>
               <a:ext uri="{91240B29-F687-4f45-9708-019B960494DF}">
-                <a14:hiddenLine xmlns:a14="http://schemas.microsoft.com/office/drawing/2010/main" xmlns="" w="9525">
+                <a14:hiddenLine xmlns="" xmlns:a14="http://schemas.microsoft.com/office/drawing/2010/main" w="9525">
                   <a:solidFill>
                     <a:srgbClr val="000000"/>
                   </a:solidFill>
@@ -2443,7 +2443,7 @@
             </a:ln>
             <a:extLst>
               <a:ext uri="{91240B29-F687-4f45-9708-019B960494DF}">
-                <a14:hiddenLine xmlns:a14="http://schemas.microsoft.com/office/drawing/2010/main" xmlns="" w="9525">
+                <a14:hiddenLine xmlns="" xmlns:a14="http://schemas.microsoft.com/office/drawing/2010/main" w="9525">
                   <a:solidFill>
                     <a:srgbClr val="000000"/>
                   </a:solidFill>
@@ -2505,7 +2505,7 @@
             </a:ln>
             <a:extLst>
               <a:ext uri="{91240B29-F687-4f45-9708-019B960494DF}">
-                <a14:hiddenLine xmlns:a14="http://schemas.microsoft.com/office/drawing/2010/main" xmlns="" w="9525">
+                <a14:hiddenLine xmlns="" xmlns:a14="http://schemas.microsoft.com/office/drawing/2010/main" w="9525">
                   <a:solidFill>
                     <a:srgbClr val="000000"/>
                   </a:solidFill>
@@ -2567,7 +2567,7 @@
             </a:ln>
             <a:extLst>
               <a:ext uri="{91240B29-F687-4f45-9708-019B960494DF}">
-                <a14:hiddenLine xmlns:a14="http://schemas.microsoft.com/office/drawing/2010/main" xmlns="" w="9525">
+                <a14:hiddenLine xmlns="" xmlns:a14="http://schemas.microsoft.com/office/drawing/2010/main" w="9525">
                   <a:solidFill>
                     <a:srgbClr val="000000"/>
                   </a:solidFill>
@@ -2657,7 +2657,7 @@
             </a:ln>
             <a:extLst>
               <a:ext uri="{91240B29-F687-4f45-9708-019B960494DF}">
-                <a14:hiddenLine xmlns:a14="http://schemas.microsoft.com/office/drawing/2010/main" xmlns="" w="9525">
+                <a14:hiddenLine xmlns="" xmlns:a14="http://schemas.microsoft.com/office/drawing/2010/main" w="9525">
                   <a:solidFill>
                     <a:srgbClr val="000000"/>
                   </a:solidFill>
@@ -2725,7 +2725,7 @@
             </a:ln>
             <a:extLst>
               <a:ext uri="{91240B29-F687-4f45-9708-019B960494DF}">
-                <a14:hiddenLine xmlns:a14="http://schemas.microsoft.com/office/drawing/2010/main" xmlns="" w="9525">
+                <a14:hiddenLine xmlns="" xmlns:a14="http://schemas.microsoft.com/office/drawing/2010/main" w="9525">
                   <a:solidFill>
                     <a:srgbClr val="000000"/>
                   </a:solidFill>
@@ -2787,7 +2787,7 @@
             </a:ln>
             <a:extLst>
               <a:ext uri="{91240B29-F687-4f45-9708-019B960494DF}">
-                <a14:hiddenLine xmlns:a14="http://schemas.microsoft.com/office/drawing/2010/main" xmlns="" w="9525">
+                <a14:hiddenLine xmlns="" xmlns:a14="http://schemas.microsoft.com/office/drawing/2010/main" w="9525">
                   <a:solidFill>
                     <a:srgbClr val="000000"/>
                   </a:solidFill>
@@ -2877,7 +2877,7 @@
             </a:ln>
             <a:extLst>
               <a:ext uri="{91240B29-F687-4f45-9708-019B960494DF}">
-                <a14:hiddenLine xmlns:a14="http://schemas.microsoft.com/office/drawing/2010/main" xmlns="" w="9525">
+                <a14:hiddenLine xmlns="" xmlns:a14="http://schemas.microsoft.com/office/drawing/2010/main" w="9525">
                   <a:solidFill>
                     <a:srgbClr val="000000"/>
                   </a:solidFill>
@@ -2939,7 +2939,7 @@
             </a:ln>
             <a:extLst>
               <a:ext uri="{91240B29-F687-4f45-9708-019B960494DF}">
-                <a14:hiddenLine xmlns:a14="http://schemas.microsoft.com/office/drawing/2010/main" xmlns="" w="9525">
+                <a14:hiddenLine xmlns="" xmlns:a14="http://schemas.microsoft.com/office/drawing/2010/main" w="9525">
                   <a:solidFill>
                     <a:srgbClr val="000000"/>
                   </a:solidFill>
@@ -3029,7 +3029,7 @@
             </a:ln>
             <a:extLst>
               <a:ext uri="{91240B29-F687-4f45-9708-019B960494DF}">
-                <a14:hiddenLine xmlns:a14="http://schemas.microsoft.com/office/drawing/2010/main" xmlns="" w="9525">
+                <a14:hiddenLine xmlns="" xmlns:a14="http://schemas.microsoft.com/office/drawing/2010/main" w="9525">
                   <a:solidFill>
                     <a:srgbClr val="000000"/>
                   </a:solidFill>
@@ -3091,7 +3091,7 @@
             </a:ln>
             <a:extLst>
               <a:ext uri="{91240B29-F687-4f45-9708-019B960494DF}">
-                <a14:hiddenLine xmlns:a14="http://schemas.microsoft.com/office/drawing/2010/main" xmlns="" w="9525">
+                <a14:hiddenLine xmlns="" xmlns:a14="http://schemas.microsoft.com/office/drawing/2010/main" w="9525">
                   <a:solidFill>
                     <a:srgbClr val="000000"/>
                   </a:solidFill>
@@ -3181,7 +3181,7 @@
             </a:ln>
             <a:extLst>
               <a:ext uri="{91240B29-F687-4f45-9708-019B960494DF}">
-                <a14:hiddenLine xmlns:a14="http://schemas.microsoft.com/office/drawing/2010/main" xmlns="" w="9525">
+                <a14:hiddenLine xmlns="" xmlns:a14="http://schemas.microsoft.com/office/drawing/2010/main" w="9525">
                   <a:solidFill>
                     <a:srgbClr val="000000"/>
                   </a:solidFill>
@@ -3215,7 +3215,7 @@
             </a:ln>
             <a:extLst>
               <a:ext uri="{91240B29-F687-4f45-9708-019B960494DF}">
-                <a14:hiddenLine xmlns:a14="http://schemas.microsoft.com/office/drawing/2010/main" xmlns="" w="9525">
+                <a14:hiddenLine xmlns="" xmlns:a14="http://schemas.microsoft.com/office/drawing/2010/main" w="9525">
                   <a:solidFill>
                     <a:srgbClr val="000000"/>
                   </a:solidFill>
@@ -3280,7 +3280,7 @@
             </a:ln>
             <a:extLst>
               <a:ext uri="{91240B29-F687-4f45-9708-019B960494DF}">
-                <a14:hiddenLine xmlns:a14="http://schemas.microsoft.com/office/drawing/2010/main" xmlns="" w="9525">
+                <a14:hiddenLine xmlns="" xmlns:a14="http://schemas.microsoft.com/office/drawing/2010/main" w="9525">
                   <a:solidFill>
                     <a:srgbClr val="000000"/>
                   </a:solidFill>
@@ -3370,7 +3370,7 @@
             </a:ln>
             <a:extLst>
               <a:ext uri="{91240B29-F687-4f45-9708-019B960494DF}">
-                <a14:hiddenLine xmlns:a14="http://schemas.microsoft.com/office/drawing/2010/main" xmlns="" w="9525">
+                <a14:hiddenLine xmlns="" xmlns:a14="http://schemas.microsoft.com/office/drawing/2010/main" w="9525">
                   <a:solidFill>
                     <a:srgbClr val="000000"/>
                   </a:solidFill>
@@ -3432,7 +3432,7 @@
             </a:ln>
             <a:extLst>
               <a:ext uri="{91240B29-F687-4f45-9708-019B960494DF}">
-                <a14:hiddenLine xmlns:a14="http://schemas.microsoft.com/office/drawing/2010/main" xmlns="" w="9525">
+                <a14:hiddenLine xmlns="" xmlns:a14="http://schemas.microsoft.com/office/drawing/2010/main" w="9525">
                   <a:solidFill>
                     <a:srgbClr val="000000"/>
                   </a:solidFill>
@@ -3522,7 +3522,7 @@
             </a:ln>
             <a:extLst>
               <a:ext uri="{91240B29-F687-4f45-9708-019B960494DF}">
-                <a14:hiddenLine xmlns:a14="http://schemas.microsoft.com/office/drawing/2010/main" xmlns="" w="9525">
+                <a14:hiddenLine xmlns="" xmlns:a14="http://schemas.microsoft.com/office/drawing/2010/main" w="9525">
                   <a:solidFill>
                     <a:srgbClr val="000000"/>
                   </a:solidFill>
@@ -3612,7 +3612,7 @@
             </a:ln>
             <a:extLst>
               <a:ext uri="{91240B29-F687-4f45-9708-019B960494DF}">
-                <a14:hiddenLine xmlns:a14="http://schemas.microsoft.com/office/drawing/2010/main" xmlns="" w="9525">
+                <a14:hiddenLine xmlns="" xmlns:a14="http://schemas.microsoft.com/office/drawing/2010/main" w="9525">
                   <a:solidFill>
                     <a:srgbClr val="000000"/>
                   </a:solidFill>
@@ -3677,7 +3677,7 @@
             </a:ln>
             <a:extLst>
               <a:ext uri="{91240B29-F687-4f45-9708-019B960494DF}">
-                <a14:hiddenLine xmlns:a14="http://schemas.microsoft.com/office/drawing/2010/main" xmlns="" w="9525">
+                <a14:hiddenLine xmlns="" xmlns:a14="http://schemas.microsoft.com/office/drawing/2010/main" w="9525">
                   <a:solidFill>
                     <a:srgbClr val="000000"/>
                   </a:solidFill>
@@ -3739,7 +3739,7 @@
             </a:ln>
             <a:extLst>
               <a:ext uri="{91240B29-F687-4f45-9708-019B960494DF}">
-                <a14:hiddenLine xmlns:a14="http://schemas.microsoft.com/office/drawing/2010/main" xmlns="" w="9525">
+                <a14:hiddenLine xmlns="" xmlns:a14="http://schemas.microsoft.com/office/drawing/2010/main" w="9525">
                   <a:solidFill>
                     <a:srgbClr val="000000"/>
                   </a:solidFill>
@@ -3829,7 +3829,7 @@
             </a:ln>
             <a:extLst>
               <a:ext uri="{91240B29-F687-4f45-9708-019B960494DF}">
-                <a14:hiddenLine xmlns:a14="http://schemas.microsoft.com/office/drawing/2010/main" xmlns="" w="9525">
+                <a14:hiddenLine xmlns="" xmlns:a14="http://schemas.microsoft.com/office/drawing/2010/main" w="9525">
                   <a:solidFill>
                     <a:srgbClr val="000000"/>
                   </a:solidFill>
@@ -3919,7 +3919,7 @@
             </a:ln>
             <a:extLst>
               <a:ext uri="{91240B29-F687-4f45-9708-019B960494DF}">
-                <a14:hiddenLine xmlns:a14="http://schemas.microsoft.com/office/drawing/2010/main" xmlns="" w="9525">
+                <a14:hiddenLine xmlns="" xmlns:a14="http://schemas.microsoft.com/office/drawing/2010/main" w="9525">
                   <a:solidFill>
                     <a:srgbClr val="000000"/>
                   </a:solidFill>
@@ -3981,7 +3981,7 @@
             </a:ln>
             <a:extLst>
               <a:ext uri="{91240B29-F687-4f45-9708-019B960494DF}">
-                <a14:hiddenLine xmlns:a14="http://schemas.microsoft.com/office/drawing/2010/main" xmlns="" w="9525">
+                <a14:hiddenLine xmlns="" xmlns:a14="http://schemas.microsoft.com/office/drawing/2010/main" w="9525">
                   <a:solidFill>
                     <a:srgbClr val="000000"/>
                   </a:solidFill>
@@ -4101,7 +4101,7 @@
             </a:ln>
             <a:extLst>
               <a:ext uri="{91240B29-F687-4f45-9708-019B960494DF}">
-                <a14:hiddenLine xmlns:a14="http://schemas.microsoft.com/office/drawing/2010/main" xmlns="" w="9525">
+                <a14:hiddenLine xmlns="" xmlns:a14="http://schemas.microsoft.com/office/drawing/2010/main" w="9525">
                   <a:solidFill>
                     <a:srgbClr val="000000"/>
                   </a:solidFill>
@@ -4169,7 +4169,7 @@
             </a:ln>
             <a:extLst>
               <a:ext uri="{91240B29-F687-4f45-9708-019B960494DF}">
-                <a14:hiddenLine xmlns:a14="http://schemas.microsoft.com/office/drawing/2010/main" xmlns="" w="9525">
+                <a14:hiddenLine xmlns="" xmlns:a14="http://schemas.microsoft.com/office/drawing/2010/main" w="9525">
                   <a:solidFill>
                     <a:srgbClr val="000000"/>
                   </a:solidFill>
@@ -4259,7 +4259,7 @@
             </a:ln>
             <a:extLst>
               <a:ext uri="{91240B29-F687-4f45-9708-019B960494DF}">
-                <a14:hiddenLine xmlns:a14="http://schemas.microsoft.com/office/drawing/2010/main" xmlns="" w="9525">
+                <a14:hiddenLine xmlns="" xmlns:a14="http://schemas.microsoft.com/office/drawing/2010/main" w="9525">
                   <a:solidFill>
                     <a:srgbClr val="000000"/>
                   </a:solidFill>
@@ -7311,7 +7311,7 @@
           <a:noFill/>
           <a:extLst>
             <a:ext uri="{909E8E84-426E-40dd-AFC4-6F175D3DCCD1}">
-              <a14:hiddenFill xmlns:a14="http://schemas.microsoft.com/office/drawing/2010/main" xmlns="">
+              <a14:hiddenFill xmlns="" xmlns:a14="http://schemas.microsoft.com/office/drawing/2010/main">
                 <a:solidFill>
                   <a:srgbClr val="FFFFFF"/>
                 </a:solidFill>
@@ -7370,7 +7370,7 @@
             </a:ln>
             <a:extLst>
               <a:ext uri="{91240B29-F687-4f45-9708-019B960494DF}">
-                <a14:hiddenLine xmlns:a14="http://schemas.microsoft.com/office/drawing/2010/main" xmlns="" w="9525">
+                <a14:hiddenLine xmlns="" xmlns:a14="http://schemas.microsoft.com/office/drawing/2010/main" w="9525">
                   <a:solidFill>
                     <a:srgbClr val="000000"/>
                   </a:solidFill>
@@ -7460,7 +7460,7 @@
             </a:ln>
             <a:extLst>
               <a:ext uri="{91240B29-F687-4f45-9708-019B960494DF}">
-                <a14:hiddenLine xmlns:a14="http://schemas.microsoft.com/office/drawing/2010/main" xmlns="" w="9525">
+                <a14:hiddenLine xmlns="" xmlns:a14="http://schemas.microsoft.com/office/drawing/2010/main" w="9525">
                   <a:solidFill>
                     <a:srgbClr val="000000"/>
                   </a:solidFill>
@@ -7550,7 +7550,7 @@
             </a:ln>
             <a:extLst>
               <a:ext uri="{91240B29-F687-4f45-9708-019B960494DF}">
-                <a14:hiddenLine xmlns:a14="http://schemas.microsoft.com/office/drawing/2010/main" xmlns="" w="9525">
+                <a14:hiddenLine xmlns="" xmlns:a14="http://schemas.microsoft.com/office/drawing/2010/main" w="9525">
                   <a:solidFill>
                     <a:srgbClr val="000000"/>
                   </a:solidFill>
@@ -7584,7 +7584,7 @@
             </a:ln>
             <a:extLst>
               <a:ext uri="{91240B29-F687-4f45-9708-019B960494DF}">
-                <a14:hiddenLine xmlns:a14="http://schemas.microsoft.com/office/drawing/2010/main" xmlns="" w="9525">
+                <a14:hiddenLine xmlns="" xmlns:a14="http://schemas.microsoft.com/office/drawing/2010/main" w="9525">
                   <a:solidFill>
                     <a:srgbClr val="000000"/>
                   </a:solidFill>
@@ -7674,7 +7674,7 @@
             </a:ln>
             <a:extLst>
               <a:ext uri="{91240B29-F687-4f45-9708-019B960494DF}">
-                <a14:hiddenLine xmlns:a14="http://schemas.microsoft.com/office/drawing/2010/main" xmlns="" w="9525">
+                <a14:hiddenLine xmlns="" xmlns:a14="http://schemas.microsoft.com/office/drawing/2010/main" w="9525">
                   <a:solidFill>
                     <a:srgbClr val="000000"/>
                   </a:solidFill>
@@ -7736,7 +7736,7 @@
             </a:ln>
             <a:extLst>
               <a:ext uri="{91240B29-F687-4f45-9708-019B960494DF}">
-                <a14:hiddenLine xmlns:a14="http://schemas.microsoft.com/office/drawing/2010/main" xmlns="" w="9525">
+                <a14:hiddenLine xmlns="" xmlns:a14="http://schemas.microsoft.com/office/drawing/2010/main" w="9525">
                   <a:solidFill>
                     <a:srgbClr val="000000"/>
                   </a:solidFill>
@@ -7798,7 +7798,7 @@
             </a:ln>
             <a:extLst>
               <a:ext uri="{91240B29-F687-4f45-9708-019B960494DF}">
-                <a14:hiddenLine xmlns:a14="http://schemas.microsoft.com/office/drawing/2010/main" xmlns="" w="9525">
+                <a14:hiddenLine xmlns="" xmlns:a14="http://schemas.microsoft.com/office/drawing/2010/main" w="9525">
                   <a:solidFill>
                     <a:srgbClr val="000000"/>
                   </a:solidFill>
@@ -7888,7 +7888,7 @@
             </a:ln>
             <a:extLst>
               <a:ext uri="{91240B29-F687-4f45-9708-019B960494DF}">
-                <a14:hiddenLine xmlns:a14="http://schemas.microsoft.com/office/drawing/2010/main" xmlns="" w="9525">
+                <a14:hiddenLine xmlns="" xmlns:a14="http://schemas.microsoft.com/office/drawing/2010/main" w="9525">
                   <a:solidFill>
                     <a:srgbClr val="000000"/>
                   </a:solidFill>
@@ -7950,7 +7950,7 @@
             </a:ln>
             <a:extLst>
               <a:ext uri="{91240B29-F687-4f45-9708-019B960494DF}">
-                <a14:hiddenLine xmlns:a14="http://schemas.microsoft.com/office/drawing/2010/main" xmlns="" w="9525">
+                <a14:hiddenLine xmlns="" xmlns:a14="http://schemas.microsoft.com/office/drawing/2010/main" w="9525">
                   <a:solidFill>
                     <a:srgbClr val="000000"/>
                   </a:solidFill>
@@ -8012,7 +8012,7 @@
             </a:ln>
             <a:extLst>
               <a:ext uri="{91240B29-F687-4f45-9708-019B960494DF}">
-                <a14:hiddenLine xmlns:a14="http://schemas.microsoft.com/office/drawing/2010/main" xmlns="" w="9525">
+                <a14:hiddenLine xmlns="" xmlns:a14="http://schemas.microsoft.com/office/drawing/2010/main" w="9525">
                   <a:solidFill>
                     <a:srgbClr val="000000"/>
                   </a:solidFill>
@@ -8102,7 +8102,7 @@
             </a:ln>
             <a:extLst>
               <a:ext uri="{91240B29-F687-4f45-9708-019B960494DF}">
-                <a14:hiddenLine xmlns:a14="http://schemas.microsoft.com/office/drawing/2010/main" xmlns="" w="9525">
+                <a14:hiddenLine xmlns="" xmlns:a14="http://schemas.microsoft.com/office/drawing/2010/main" w="9525">
                   <a:solidFill>
                     <a:srgbClr val="000000"/>
                   </a:solidFill>
@@ -8192,7 +8192,7 @@
             </a:ln>
             <a:extLst>
               <a:ext uri="{91240B29-F687-4f45-9708-019B960494DF}">
-                <a14:hiddenLine xmlns:a14="http://schemas.microsoft.com/office/drawing/2010/main" xmlns="" w="9525">
+                <a14:hiddenLine xmlns="" xmlns:a14="http://schemas.microsoft.com/office/drawing/2010/main" w="9525">
                   <a:solidFill>
                     <a:srgbClr val="000000"/>
                   </a:solidFill>
@@ -8254,7 +8254,7 @@
             </a:ln>
             <a:extLst>
               <a:ext uri="{91240B29-F687-4f45-9708-019B960494DF}">
-                <a14:hiddenLine xmlns:a14="http://schemas.microsoft.com/office/drawing/2010/main" xmlns="" w="9525">
+                <a14:hiddenLine xmlns="" xmlns:a14="http://schemas.microsoft.com/office/drawing/2010/main" w="9525">
                   <a:solidFill>
                     <a:srgbClr val="000000"/>
                   </a:solidFill>
@@ -8364,7 +8364,7 @@
             </a:ln>
             <a:extLst>
               <a:ext uri="{91240B29-F687-4f45-9708-019B960494DF}">
-                <a14:hiddenLine xmlns:a14="http://schemas.microsoft.com/office/drawing/2010/main" xmlns="" w="9525">
+                <a14:hiddenLine xmlns="" xmlns:a14="http://schemas.microsoft.com/office/drawing/2010/main" w="9525">
                   <a:solidFill>
                     <a:srgbClr val="000000"/>
                   </a:solidFill>
@@ -8426,7 +8426,7 @@
             </a:ln>
             <a:extLst>
               <a:ext uri="{91240B29-F687-4f45-9708-019B960494DF}">
-                <a14:hiddenLine xmlns:a14="http://schemas.microsoft.com/office/drawing/2010/main" xmlns="" w="9525">
+                <a14:hiddenLine xmlns="" xmlns:a14="http://schemas.microsoft.com/office/drawing/2010/main" w="9525">
                   <a:solidFill>
                     <a:srgbClr val="000000"/>
                   </a:solidFill>
@@ -8516,7 +8516,7 @@
             </a:ln>
             <a:extLst>
               <a:ext uri="{91240B29-F687-4f45-9708-019B960494DF}">
-                <a14:hiddenLine xmlns:a14="http://schemas.microsoft.com/office/drawing/2010/main" xmlns="" w="9525">
+                <a14:hiddenLine xmlns="" xmlns:a14="http://schemas.microsoft.com/office/drawing/2010/main" w="9525">
                   <a:solidFill>
                     <a:srgbClr val="000000"/>
                   </a:solidFill>
@@ -8606,7 +8606,7 @@
             </a:ln>
             <a:extLst>
               <a:ext uri="{91240B29-F687-4f45-9708-019B960494DF}">
-                <a14:hiddenLine xmlns:a14="http://schemas.microsoft.com/office/drawing/2010/main" xmlns="" w="9525">
+                <a14:hiddenLine xmlns="" xmlns:a14="http://schemas.microsoft.com/office/drawing/2010/main" w="9525">
                   <a:solidFill>
                     <a:srgbClr val="000000"/>
                   </a:solidFill>
@@ -8668,7 +8668,7 @@
             </a:ln>
             <a:extLst>
               <a:ext uri="{91240B29-F687-4f45-9708-019B960494DF}">
-                <a14:hiddenLine xmlns:a14="http://schemas.microsoft.com/office/drawing/2010/main" xmlns="" w="9525">
+                <a14:hiddenLine xmlns="" xmlns:a14="http://schemas.microsoft.com/office/drawing/2010/main" w="9525">
                   <a:solidFill>
                     <a:srgbClr val="000000"/>
                   </a:solidFill>
@@ -8758,7 +8758,7 @@
             </a:ln>
             <a:extLst>
               <a:ext uri="{91240B29-F687-4f45-9708-019B960494DF}">
-                <a14:hiddenLine xmlns:a14="http://schemas.microsoft.com/office/drawing/2010/main" xmlns="" w="9525">
+                <a14:hiddenLine xmlns="" xmlns:a14="http://schemas.microsoft.com/office/drawing/2010/main" w="9525">
                   <a:solidFill>
                     <a:srgbClr val="000000"/>
                   </a:solidFill>
@@ -8848,7 +8848,7 @@
             </a:ln>
             <a:extLst>
               <a:ext uri="{91240B29-F687-4f45-9708-019B960494DF}">
-                <a14:hiddenLine xmlns:a14="http://schemas.microsoft.com/office/drawing/2010/main" xmlns="" w="9525">
+                <a14:hiddenLine xmlns="" xmlns:a14="http://schemas.microsoft.com/office/drawing/2010/main" w="9525">
                   <a:solidFill>
                     <a:srgbClr val="000000"/>
                   </a:solidFill>
@@ -8904,7 +8904,7 @@
             </a:ln>
             <a:extLst>
               <a:ext uri="{91240B29-F687-4f45-9708-019B960494DF}">
-                <a14:hiddenLine xmlns:a14="http://schemas.microsoft.com/office/drawing/2010/main" xmlns="" w="9525">
+                <a14:hiddenLine xmlns="" xmlns:a14="http://schemas.microsoft.com/office/drawing/2010/main" w="9525">
                   <a:solidFill>
                     <a:srgbClr val="000000"/>
                   </a:solidFill>
@@ -8994,7 +8994,7 @@
             </a:ln>
             <a:extLst>
               <a:ext uri="{91240B29-F687-4f45-9708-019B960494DF}">
-                <a14:hiddenLine xmlns:a14="http://schemas.microsoft.com/office/drawing/2010/main" xmlns="" w="9525">
+                <a14:hiddenLine xmlns="" xmlns:a14="http://schemas.microsoft.com/office/drawing/2010/main" w="9525">
                   <a:solidFill>
                     <a:srgbClr val="000000"/>
                   </a:solidFill>
@@ -9050,7 +9050,7 @@
             </a:ln>
             <a:extLst>
               <a:ext uri="{91240B29-F687-4f45-9708-019B960494DF}">
-                <a14:hiddenLine xmlns:a14="http://schemas.microsoft.com/office/drawing/2010/main" xmlns="" w="9525">
+                <a14:hiddenLine xmlns="" xmlns:a14="http://schemas.microsoft.com/office/drawing/2010/main" w="9525">
                   <a:solidFill>
                     <a:srgbClr val="000000"/>
                   </a:solidFill>
@@ -9140,7 +9140,7 @@
             </a:ln>
             <a:extLst>
               <a:ext uri="{91240B29-F687-4f45-9708-019B960494DF}">
-                <a14:hiddenLine xmlns:a14="http://schemas.microsoft.com/office/drawing/2010/main" xmlns="" w="9525">
+                <a14:hiddenLine xmlns="" xmlns:a14="http://schemas.microsoft.com/office/drawing/2010/main" w="9525">
                   <a:solidFill>
                     <a:srgbClr val="000000"/>
                   </a:solidFill>
@@ -9208,7 +9208,7 @@
             </a:ln>
             <a:extLst>
               <a:ext uri="{91240B29-F687-4f45-9708-019B960494DF}">
-                <a14:hiddenLine xmlns:a14="http://schemas.microsoft.com/office/drawing/2010/main" xmlns="" w="9525">
+                <a14:hiddenLine xmlns="" xmlns:a14="http://schemas.microsoft.com/office/drawing/2010/main" w="9525">
                   <a:solidFill>
                     <a:srgbClr val="000000"/>
                   </a:solidFill>
@@ -9298,7 +9298,7 @@
             </a:ln>
             <a:extLst>
               <a:ext uri="{91240B29-F687-4f45-9708-019B960494DF}">
-                <a14:hiddenLine xmlns:a14="http://schemas.microsoft.com/office/drawing/2010/main" xmlns="" w="9525">
+                <a14:hiddenLine xmlns="" xmlns:a14="http://schemas.microsoft.com/office/drawing/2010/main" w="9525">
                   <a:solidFill>
                     <a:srgbClr val="000000"/>
                   </a:solidFill>
@@ -9366,7 +9366,7 @@
             </a:ln>
             <a:extLst>
               <a:ext uri="{91240B29-F687-4f45-9708-019B960494DF}">
-                <a14:hiddenLine xmlns:a14="http://schemas.microsoft.com/office/drawing/2010/main" xmlns="" w="9525">
+                <a14:hiddenLine xmlns="" xmlns:a14="http://schemas.microsoft.com/office/drawing/2010/main" w="9525">
                   <a:solidFill>
                     <a:srgbClr val="000000"/>
                   </a:solidFill>
@@ -9456,7 +9456,7 @@
             </a:ln>
             <a:extLst>
               <a:ext uri="{91240B29-F687-4f45-9708-019B960494DF}">
-                <a14:hiddenLine xmlns:a14="http://schemas.microsoft.com/office/drawing/2010/main" xmlns="" w="9525">
+                <a14:hiddenLine xmlns="" xmlns:a14="http://schemas.microsoft.com/office/drawing/2010/main" w="9525">
                   <a:solidFill>
                     <a:srgbClr val="000000"/>
                   </a:solidFill>
@@ -9490,7 +9490,7 @@
             </a:ln>
             <a:extLst>
               <a:ext uri="{91240B29-F687-4f45-9708-019B960494DF}">
-                <a14:hiddenLine xmlns:a14="http://schemas.microsoft.com/office/drawing/2010/main" xmlns="" w="9525">
+                <a14:hiddenLine xmlns="" xmlns:a14="http://schemas.microsoft.com/office/drawing/2010/main" w="9525">
                   <a:solidFill>
                     <a:srgbClr val="000000"/>
                   </a:solidFill>
@@ -9580,7 +9580,7 @@
             </a:ln>
             <a:extLst>
               <a:ext uri="{91240B29-F687-4f45-9708-019B960494DF}">
-                <a14:hiddenLine xmlns:a14="http://schemas.microsoft.com/office/drawing/2010/main" xmlns="" w="9525">
+                <a14:hiddenLine xmlns="" xmlns:a14="http://schemas.microsoft.com/office/drawing/2010/main" w="9525">
                   <a:solidFill>
                     <a:srgbClr val="000000"/>
                   </a:solidFill>
@@ -9642,7 +9642,7 @@
             </a:ln>
             <a:extLst>
               <a:ext uri="{91240B29-F687-4f45-9708-019B960494DF}">
-                <a14:hiddenLine xmlns:a14="http://schemas.microsoft.com/office/drawing/2010/main" xmlns="" w="9525">
+                <a14:hiddenLine xmlns="" xmlns:a14="http://schemas.microsoft.com/office/drawing/2010/main" w="9525">
                   <a:solidFill>
                     <a:srgbClr val="000000"/>
                   </a:solidFill>
@@ -9704,7 +9704,7 @@
             </a:ln>
             <a:extLst>
               <a:ext uri="{91240B29-F687-4f45-9708-019B960494DF}">
-                <a14:hiddenLine xmlns:a14="http://schemas.microsoft.com/office/drawing/2010/main" xmlns="" w="9525">
+                <a14:hiddenLine xmlns="" xmlns:a14="http://schemas.microsoft.com/office/drawing/2010/main" w="9525">
                   <a:solidFill>
                     <a:srgbClr val="000000"/>
                   </a:solidFill>
@@ -9794,7 +9794,7 @@
             </a:ln>
             <a:extLst>
               <a:ext uri="{91240B29-F687-4f45-9708-019B960494DF}">
-                <a14:hiddenLine xmlns:a14="http://schemas.microsoft.com/office/drawing/2010/main" xmlns="" w="9525">
+                <a14:hiddenLine xmlns="" xmlns:a14="http://schemas.microsoft.com/office/drawing/2010/main" w="9525">
                   <a:solidFill>
                     <a:srgbClr val="000000"/>
                   </a:solidFill>
@@ -9862,7 +9862,7 @@
             </a:ln>
             <a:extLst>
               <a:ext uri="{91240B29-F687-4f45-9708-019B960494DF}">
-                <a14:hiddenLine xmlns:a14="http://schemas.microsoft.com/office/drawing/2010/main" xmlns="" w="9525">
+                <a14:hiddenLine xmlns="" xmlns:a14="http://schemas.microsoft.com/office/drawing/2010/main" w="9525">
                   <a:solidFill>
                     <a:srgbClr val="000000"/>
                   </a:solidFill>
@@ -9924,7 +9924,7 @@
             </a:ln>
             <a:extLst>
               <a:ext uri="{91240B29-F687-4f45-9708-019B960494DF}">
-                <a14:hiddenLine xmlns:a14="http://schemas.microsoft.com/office/drawing/2010/main" xmlns="" w="9525">
+                <a14:hiddenLine xmlns="" xmlns:a14="http://schemas.microsoft.com/office/drawing/2010/main" w="9525">
                   <a:solidFill>
                     <a:srgbClr val="000000"/>
                   </a:solidFill>
@@ -10014,7 +10014,7 @@
             </a:ln>
             <a:extLst>
               <a:ext uri="{91240B29-F687-4f45-9708-019B960494DF}">
-                <a14:hiddenLine xmlns:a14="http://schemas.microsoft.com/office/drawing/2010/main" xmlns="" w="9525">
+                <a14:hiddenLine xmlns="" xmlns:a14="http://schemas.microsoft.com/office/drawing/2010/main" w="9525">
                   <a:solidFill>
                     <a:srgbClr val="000000"/>
                   </a:solidFill>
@@ -10076,7 +10076,7 @@
             </a:ln>
             <a:extLst>
               <a:ext uri="{91240B29-F687-4f45-9708-019B960494DF}">
-                <a14:hiddenLine xmlns:a14="http://schemas.microsoft.com/office/drawing/2010/main" xmlns="" w="9525">
+                <a14:hiddenLine xmlns="" xmlns:a14="http://schemas.microsoft.com/office/drawing/2010/main" w="9525">
                   <a:solidFill>
                     <a:srgbClr val="000000"/>
                   </a:solidFill>
@@ -10166,7 +10166,7 @@
             </a:ln>
             <a:extLst>
               <a:ext uri="{91240B29-F687-4f45-9708-019B960494DF}">
-                <a14:hiddenLine xmlns:a14="http://schemas.microsoft.com/office/drawing/2010/main" xmlns="" w="9525">
+                <a14:hiddenLine xmlns="" xmlns:a14="http://schemas.microsoft.com/office/drawing/2010/main" w="9525">
                   <a:solidFill>
                     <a:srgbClr val="000000"/>
                   </a:solidFill>
@@ -10228,7 +10228,7 @@
             </a:ln>
             <a:extLst>
               <a:ext uri="{91240B29-F687-4f45-9708-019B960494DF}">
-                <a14:hiddenLine xmlns:a14="http://schemas.microsoft.com/office/drawing/2010/main" xmlns="" w="9525">
+                <a14:hiddenLine xmlns="" xmlns:a14="http://schemas.microsoft.com/office/drawing/2010/main" w="9525">
                   <a:solidFill>
                     <a:srgbClr val="000000"/>
                   </a:solidFill>
@@ -10318,7 +10318,7 @@
             </a:ln>
             <a:extLst>
               <a:ext uri="{91240B29-F687-4f45-9708-019B960494DF}">
-                <a14:hiddenLine xmlns:a14="http://schemas.microsoft.com/office/drawing/2010/main" xmlns="" w="9525">
+                <a14:hiddenLine xmlns="" xmlns:a14="http://schemas.microsoft.com/office/drawing/2010/main" w="9525">
                   <a:solidFill>
                     <a:srgbClr val="000000"/>
                   </a:solidFill>
@@ -10352,7 +10352,7 @@
             </a:ln>
             <a:extLst>
               <a:ext uri="{91240B29-F687-4f45-9708-019B960494DF}">
-                <a14:hiddenLine xmlns:a14="http://schemas.microsoft.com/office/drawing/2010/main" xmlns="" w="9525">
+                <a14:hiddenLine xmlns="" xmlns:a14="http://schemas.microsoft.com/office/drawing/2010/main" w="9525">
                   <a:solidFill>
                     <a:srgbClr val="000000"/>
                   </a:solidFill>
@@ -10417,7 +10417,7 @@
             </a:ln>
             <a:extLst>
               <a:ext uri="{91240B29-F687-4f45-9708-019B960494DF}">
-                <a14:hiddenLine xmlns:a14="http://schemas.microsoft.com/office/drawing/2010/main" xmlns="" w="9525">
+                <a14:hiddenLine xmlns="" xmlns:a14="http://schemas.microsoft.com/office/drawing/2010/main" w="9525">
                   <a:solidFill>
                     <a:srgbClr val="000000"/>
                   </a:solidFill>
@@ -10507,7 +10507,7 @@
             </a:ln>
             <a:extLst>
               <a:ext uri="{91240B29-F687-4f45-9708-019B960494DF}">
-                <a14:hiddenLine xmlns:a14="http://schemas.microsoft.com/office/drawing/2010/main" xmlns="" w="9525">
+                <a14:hiddenLine xmlns="" xmlns:a14="http://schemas.microsoft.com/office/drawing/2010/main" w="9525">
                   <a:solidFill>
                     <a:srgbClr val="000000"/>
                   </a:solidFill>
@@ -10569,7 +10569,7 @@
             </a:ln>
             <a:extLst>
               <a:ext uri="{91240B29-F687-4f45-9708-019B960494DF}">
-                <a14:hiddenLine xmlns:a14="http://schemas.microsoft.com/office/drawing/2010/main" xmlns="" w="9525">
+                <a14:hiddenLine xmlns="" xmlns:a14="http://schemas.microsoft.com/office/drawing/2010/main" w="9525">
                   <a:solidFill>
                     <a:srgbClr val="000000"/>
                   </a:solidFill>
@@ -10659,7 +10659,7 @@
             </a:ln>
             <a:extLst>
               <a:ext uri="{91240B29-F687-4f45-9708-019B960494DF}">
-                <a14:hiddenLine xmlns:a14="http://schemas.microsoft.com/office/drawing/2010/main" xmlns="" w="9525">
+                <a14:hiddenLine xmlns="" xmlns:a14="http://schemas.microsoft.com/office/drawing/2010/main" w="9525">
                   <a:solidFill>
                     <a:srgbClr val="000000"/>
                   </a:solidFill>
@@ -10749,7 +10749,7 @@
             </a:ln>
             <a:extLst>
               <a:ext uri="{91240B29-F687-4f45-9708-019B960494DF}">
-                <a14:hiddenLine xmlns:a14="http://schemas.microsoft.com/office/drawing/2010/main" xmlns="" w="9525">
+                <a14:hiddenLine xmlns="" xmlns:a14="http://schemas.microsoft.com/office/drawing/2010/main" w="9525">
                   <a:solidFill>
                     <a:srgbClr val="000000"/>
                   </a:solidFill>
@@ -10814,7 +10814,7 @@
             </a:ln>
             <a:extLst>
               <a:ext uri="{91240B29-F687-4f45-9708-019B960494DF}">
-                <a14:hiddenLine xmlns:a14="http://schemas.microsoft.com/office/drawing/2010/main" xmlns="" w="9525">
+                <a14:hiddenLine xmlns="" xmlns:a14="http://schemas.microsoft.com/office/drawing/2010/main" w="9525">
                   <a:solidFill>
                     <a:srgbClr val="000000"/>
                   </a:solidFill>
@@ -10876,7 +10876,7 @@
             </a:ln>
             <a:extLst>
               <a:ext uri="{91240B29-F687-4f45-9708-019B960494DF}">
-                <a14:hiddenLine xmlns:a14="http://schemas.microsoft.com/office/drawing/2010/main" xmlns="" w="9525">
+                <a14:hiddenLine xmlns="" xmlns:a14="http://schemas.microsoft.com/office/drawing/2010/main" w="9525">
                   <a:solidFill>
                     <a:srgbClr val="000000"/>
                   </a:solidFill>
@@ -10966,7 +10966,7 @@
             </a:ln>
             <a:extLst>
               <a:ext uri="{91240B29-F687-4f45-9708-019B960494DF}">
-                <a14:hiddenLine xmlns:a14="http://schemas.microsoft.com/office/drawing/2010/main" xmlns="" w="9525">
+                <a14:hiddenLine xmlns="" xmlns:a14="http://schemas.microsoft.com/office/drawing/2010/main" w="9525">
                   <a:solidFill>
                     <a:srgbClr val="000000"/>
                   </a:solidFill>
@@ -11056,7 +11056,7 @@
             </a:ln>
             <a:extLst>
               <a:ext uri="{91240B29-F687-4f45-9708-019B960494DF}">
-                <a14:hiddenLine xmlns:a14="http://schemas.microsoft.com/office/drawing/2010/main" xmlns="" w="9525">
+                <a14:hiddenLine xmlns="" xmlns:a14="http://schemas.microsoft.com/office/drawing/2010/main" w="9525">
                   <a:solidFill>
                     <a:srgbClr val="000000"/>
                   </a:solidFill>
@@ -11118,7 +11118,7 @@
             </a:ln>
             <a:extLst>
               <a:ext uri="{91240B29-F687-4f45-9708-019B960494DF}">
-                <a14:hiddenLine xmlns:a14="http://schemas.microsoft.com/office/drawing/2010/main" xmlns="" w="9525">
+                <a14:hiddenLine xmlns="" xmlns:a14="http://schemas.microsoft.com/office/drawing/2010/main" w="9525">
                   <a:solidFill>
                     <a:srgbClr val="000000"/>
                   </a:solidFill>
@@ -11238,7 +11238,7 @@
             </a:ln>
             <a:extLst>
               <a:ext uri="{91240B29-F687-4f45-9708-019B960494DF}">
-                <a14:hiddenLine xmlns:a14="http://schemas.microsoft.com/office/drawing/2010/main" xmlns="" w="9525">
+                <a14:hiddenLine xmlns="" xmlns:a14="http://schemas.microsoft.com/office/drawing/2010/main" w="9525">
                   <a:solidFill>
                     <a:srgbClr val="000000"/>
                   </a:solidFill>
@@ -11306,7 +11306,7 @@
             </a:ln>
             <a:extLst>
               <a:ext uri="{91240B29-F687-4f45-9708-019B960494DF}">
-                <a14:hiddenLine xmlns:a14="http://schemas.microsoft.com/office/drawing/2010/main" xmlns="" w="9525">
+                <a14:hiddenLine xmlns="" xmlns:a14="http://schemas.microsoft.com/office/drawing/2010/main" w="9525">
                   <a:solidFill>
                     <a:srgbClr val="000000"/>
                   </a:solidFill>
@@ -11396,7 +11396,7 @@
             </a:ln>
             <a:extLst>
               <a:ext uri="{91240B29-F687-4f45-9708-019B960494DF}">
-                <a14:hiddenLine xmlns:a14="http://schemas.microsoft.com/office/drawing/2010/main" xmlns="" w="9525">
+                <a14:hiddenLine xmlns="" xmlns:a14="http://schemas.microsoft.com/office/drawing/2010/main" w="9525">
                   <a:solidFill>
                     <a:srgbClr val="000000"/>
                   </a:solidFill>
@@ -18035,7 +18035,7 @@
           <a:noFill/>
           <a:extLst>
             <a:ext uri="{909E8E84-426E-40dd-AFC4-6F175D3DCCD1}">
-              <a14:hiddenFill xmlns:a14="http://schemas.microsoft.com/office/drawing/2010/main" xmlns="">
+              <a14:hiddenFill xmlns="" xmlns:a14="http://schemas.microsoft.com/office/drawing/2010/main">
                 <a:solidFill>
                   <a:srgbClr val="FFFFFF"/>
                 </a:solidFill>
@@ -18109,7 +18109,7 @@
               </a:ln>
               <a:extLst>
                 <a:ext uri="{91240B29-F687-4f45-9708-019B960494DF}">
-                  <a14:hiddenLine xmlns:a14="http://schemas.microsoft.com/office/drawing/2010/main" xmlns="" w="9525">
+                  <a14:hiddenLine xmlns="" xmlns:a14="http://schemas.microsoft.com/office/drawing/2010/main" w="9525">
                     <a:solidFill>
                       <a:srgbClr val="000000"/>
                     </a:solidFill>
@@ -18199,7 +18199,7 @@
               </a:ln>
               <a:extLst>
                 <a:ext uri="{91240B29-F687-4f45-9708-019B960494DF}">
-                  <a14:hiddenLine xmlns:a14="http://schemas.microsoft.com/office/drawing/2010/main" xmlns="" w="9525">
+                  <a14:hiddenLine xmlns="" xmlns:a14="http://schemas.microsoft.com/office/drawing/2010/main" w="9525">
                     <a:solidFill>
                       <a:srgbClr val="000000"/>
                     </a:solidFill>
@@ -18289,7 +18289,7 @@
               </a:ln>
               <a:extLst>
                 <a:ext uri="{91240B29-F687-4f45-9708-019B960494DF}">
-                  <a14:hiddenLine xmlns:a14="http://schemas.microsoft.com/office/drawing/2010/main" xmlns="" w="9525">
+                  <a14:hiddenLine xmlns="" xmlns:a14="http://schemas.microsoft.com/office/drawing/2010/main" w="9525">
                     <a:solidFill>
                       <a:srgbClr val="000000"/>
                     </a:solidFill>
@@ -18351,7 +18351,7 @@
               </a:ln>
               <a:extLst>
                 <a:ext uri="{91240B29-F687-4f45-9708-019B960494DF}">
-                  <a14:hiddenLine xmlns:a14="http://schemas.microsoft.com/office/drawing/2010/main" xmlns="" w="9525">
+                  <a14:hiddenLine xmlns="" xmlns:a14="http://schemas.microsoft.com/office/drawing/2010/main" w="9525">
                     <a:solidFill>
                       <a:srgbClr val="000000"/>
                     </a:solidFill>
@@ -18441,7 +18441,7 @@
               </a:ln>
               <a:extLst>
                 <a:ext uri="{91240B29-F687-4f45-9708-019B960494DF}">
-                  <a14:hiddenLine xmlns:a14="http://schemas.microsoft.com/office/drawing/2010/main" xmlns="" w="9525">
+                  <a14:hiddenLine xmlns="" xmlns:a14="http://schemas.microsoft.com/office/drawing/2010/main" w="9525">
                     <a:solidFill>
                       <a:srgbClr val="000000"/>
                     </a:solidFill>
@@ -18503,7 +18503,7 @@
               </a:ln>
               <a:extLst>
                 <a:ext uri="{91240B29-F687-4f45-9708-019B960494DF}">
-                  <a14:hiddenLine xmlns:a14="http://schemas.microsoft.com/office/drawing/2010/main" xmlns="" w="9525">
+                  <a14:hiddenLine xmlns="" xmlns:a14="http://schemas.microsoft.com/office/drawing/2010/main" w="9525">
                     <a:solidFill>
                       <a:srgbClr val="000000"/>
                     </a:solidFill>
@@ -18565,7 +18565,7 @@
               </a:ln>
               <a:extLst>
                 <a:ext uri="{91240B29-F687-4f45-9708-019B960494DF}">
-                  <a14:hiddenLine xmlns:a14="http://schemas.microsoft.com/office/drawing/2010/main" xmlns="" w="9525">
+                  <a14:hiddenLine xmlns="" xmlns:a14="http://schemas.microsoft.com/office/drawing/2010/main" w="9525">
                     <a:solidFill>
                       <a:srgbClr val="000000"/>
                     </a:solidFill>
@@ -18655,7 +18655,7 @@
               </a:ln>
               <a:extLst>
                 <a:ext uri="{91240B29-F687-4f45-9708-019B960494DF}">
-                  <a14:hiddenLine xmlns:a14="http://schemas.microsoft.com/office/drawing/2010/main" xmlns="" w="9525">
+                  <a14:hiddenLine xmlns="" xmlns:a14="http://schemas.microsoft.com/office/drawing/2010/main" w="9525">
                     <a:solidFill>
                       <a:srgbClr val="000000"/>
                     </a:solidFill>
@@ -18745,7 +18745,7 @@
               </a:ln>
               <a:extLst>
                 <a:ext uri="{91240B29-F687-4f45-9708-019B960494DF}">
-                  <a14:hiddenLine xmlns:a14="http://schemas.microsoft.com/office/drawing/2010/main" xmlns="" w="9525">
+                  <a14:hiddenLine xmlns="" xmlns:a14="http://schemas.microsoft.com/office/drawing/2010/main" w="9525">
                     <a:solidFill>
                       <a:srgbClr val="000000"/>
                     </a:solidFill>
@@ -18807,7 +18807,7 @@
               </a:ln>
               <a:extLst>
                 <a:ext uri="{91240B29-F687-4f45-9708-019B960494DF}">
-                  <a14:hiddenLine xmlns:a14="http://schemas.microsoft.com/office/drawing/2010/main" xmlns="" w="9525">
+                  <a14:hiddenLine xmlns="" xmlns:a14="http://schemas.microsoft.com/office/drawing/2010/main" w="9525">
                     <a:solidFill>
                       <a:srgbClr val="000000"/>
                     </a:solidFill>
@@ -18917,7 +18917,7 @@
               </a:ln>
               <a:extLst>
                 <a:ext uri="{91240B29-F687-4f45-9708-019B960494DF}">
-                  <a14:hiddenLine xmlns:a14="http://schemas.microsoft.com/office/drawing/2010/main" xmlns="" w="9525">
+                  <a14:hiddenLine xmlns="" xmlns:a14="http://schemas.microsoft.com/office/drawing/2010/main" w="9525">
                     <a:solidFill>
                       <a:srgbClr val="000000"/>
                     </a:solidFill>
@@ -19001,7 +19001,7 @@
               </a:ln>
               <a:extLst>
                 <a:ext uri="{91240B29-F687-4f45-9708-019B960494DF}">
-                  <a14:hiddenLine xmlns:a14="http://schemas.microsoft.com/office/drawing/2010/main" xmlns="" w="9525">
+                  <a14:hiddenLine xmlns="" xmlns:a14="http://schemas.microsoft.com/office/drawing/2010/main" w="9525">
                     <a:solidFill>
                       <a:srgbClr val="000000"/>
                     </a:solidFill>
@@ -19063,7 +19063,7 @@
               </a:ln>
               <a:extLst>
                 <a:ext uri="{91240B29-F687-4f45-9708-019B960494DF}">
-                  <a14:hiddenLine xmlns:a14="http://schemas.microsoft.com/office/drawing/2010/main" xmlns="" w="9525">
+                  <a14:hiddenLine xmlns="" xmlns:a14="http://schemas.microsoft.com/office/drawing/2010/main" w="9525">
                     <a:solidFill>
                       <a:srgbClr val="000000"/>
                     </a:solidFill>
@@ -19125,7 +19125,7 @@
               </a:ln>
               <a:extLst>
                 <a:ext uri="{91240B29-F687-4f45-9708-019B960494DF}">
-                  <a14:hiddenLine xmlns:a14="http://schemas.microsoft.com/office/drawing/2010/main" xmlns="" w="9525">
+                  <a14:hiddenLine xmlns="" xmlns:a14="http://schemas.microsoft.com/office/drawing/2010/main" w="9525">
                     <a:solidFill>
                       <a:srgbClr val="000000"/>
                     </a:solidFill>
@@ -19215,7 +19215,7 @@
               </a:ln>
               <a:extLst>
                 <a:ext uri="{91240B29-F687-4f45-9708-019B960494DF}">
-                  <a14:hiddenLine xmlns:a14="http://schemas.microsoft.com/office/drawing/2010/main" xmlns="" w="9525">
+                  <a14:hiddenLine xmlns="" xmlns:a14="http://schemas.microsoft.com/office/drawing/2010/main" w="9525">
                     <a:solidFill>
                       <a:srgbClr val="000000"/>
                     </a:solidFill>
@@ -19249,7 +19249,7 @@
               </a:ln>
               <a:extLst>
                 <a:ext uri="{91240B29-F687-4f45-9708-019B960494DF}">
-                  <a14:hiddenLine xmlns:a14="http://schemas.microsoft.com/office/drawing/2010/main" xmlns="" w="9525">
+                  <a14:hiddenLine xmlns="" xmlns:a14="http://schemas.microsoft.com/office/drawing/2010/main" w="9525">
                     <a:solidFill>
                       <a:srgbClr val="000000"/>
                     </a:solidFill>
@@ -19314,7 +19314,7 @@
               </a:ln>
               <a:extLst>
                 <a:ext uri="{91240B29-F687-4f45-9708-019B960494DF}">
-                  <a14:hiddenLine xmlns:a14="http://schemas.microsoft.com/office/drawing/2010/main" xmlns="" w="9525">
+                  <a14:hiddenLine xmlns="" xmlns:a14="http://schemas.microsoft.com/office/drawing/2010/main" w="9525">
                     <a:solidFill>
                       <a:srgbClr val="000000"/>
                     </a:solidFill>
@@ -19404,7 +19404,7 @@
               </a:ln>
               <a:extLst>
                 <a:ext uri="{91240B29-F687-4f45-9708-019B960494DF}">
-                  <a14:hiddenLine xmlns:a14="http://schemas.microsoft.com/office/drawing/2010/main" xmlns="" w="9525">
+                  <a14:hiddenLine xmlns="" xmlns:a14="http://schemas.microsoft.com/office/drawing/2010/main" w="9525">
                     <a:solidFill>
                       <a:srgbClr val="000000"/>
                     </a:solidFill>
@@ -19466,7 +19466,7 @@
               </a:ln>
               <a:extLst>
                 <a:ext uri="{91240B29-F687-4f45-9708-019B960494DF}">
-                  <a14:hiddenLine xmlns:a14="http://schemas.microsoft.com/office/drawing/2010/main" xmlns="" w="9525">
+                  <a14:hiddenLine xmlns="" xmlns:a14="http://schemas.microsoft.com/office/drawing/2010/main" w="9525">
                     <a:solidFill>
                       <a:srgbClr val="000000"/>
                     </a:solidFill>
@@ -19556,7 +19556,7 @@
               </a:ln>
               <a:extLst>
                 <a:ext uri="{91240B29-F687-4f45-9708-019B960494DF}">
-                  <a14:hiddenLine xmlns:a14="http://schemas.microsoft.com/office/drawing/2010/main" xmlns="" w="9525">
+                  <a14:hiddenLine xmlns="" xmlns:a14="http://schemas.microsoft.com/office/drawing/2010/main" w="9525">
                     <a:solidFill>
                       <a:srgbClr val="000000"/>
                     </a:solidFill>
@@ -19621,7 +19621,7 @@
               </a:ln>
               <a:extLst>
                 <a:ext uri="{91240B29-F687-4f45-9708-019B960494DF}">
-                  <a14:hiddenLine xmlns:a14="http://schemas.microsoft.com/office/drawing/2010/main" xmlns="" w="9525">
+                  <a14:hiddenLine xmlns="" xmlns:a14="http://schemas.microsoft.com/office/drawing/2010/main" w="9525">
                     <a:solidFill>
                       <a:srgbClr val="000000"/>
                     </a:solidFill>
@@ -19683,7 +19683,7 @@
               </a:ln>
               <a:extLst>
                 <a:ext uri="{91240B29-F687-4f45-9708-019B960494DF}">
-                  <a14:hiddenLine xmlns:a14="http://schemas.microsoft.com/office/drawing/2010/main" xmlns="" w="9525">
+                  <a14:hiddenLine xmlns="" xmlns:a14="http://schemas.microsoft.com/office/drawing/2010/main" w="9525">
                     <a:solidFill>
                       <a:srgbClr val="000000"/>
                     </a:solidFill>
@@ -19773,7 +19773,7 @@
               </a:ln>
               <a:extLst>
                 <a:ext uri="{91240B29-F687-4f45-9708-019B960494DF}">
-                  <a14:hiddenLine xmlns:a14="http://schemas.microsoft.com/office/drawing/2010/main" xmlns="" w="9525">
+                  <a14:hiddenLine xmlns="" xmlns:a14="http://schemas.microsoft.com/office/drawing/2010/main" w="9525">
                     <a:solidFill>
                       <a:srgbClr val="000000"/>
                     </a:solidFill>
@@ -19863,7 +19863,7 @@
               </a:ln>
               <a:extLst>
                 <a:ext uri="{91240B29-F687-4f45-9708-019B960494DF}">
-                  <a14:hiddenLine xmlns:a14="http://schemas.microsoft.com/office/drawing/2010/main" xmlns="" w="9525">
+                  <a14:hiddenLine xmlns="" xmlns:a14="http://schemas.microsoft.com/office/drawing/2010/main" w="9525">
                     <a:solidFill>
                       <a:srgbClr val="000000"/>
                     </a:solidFill>
@@ -19928,7 +19928,7 @@
               </a:ln>
               <a:extLst>
                 <a:ext uri="{91240B29-F687-4f45-9708-019B960494DF}">
-                  <a14:hiddenLine xmlns:a14="http://schemas.microsoft.com/office/drawing/2010/main" xmlns="" w="9525">
+                  <a14:hiddenLine xmlns="" xmlns:a14="http://schemas.microsoft.com/office/drawing/2010/main" w="9525">
                     <a:solidFill>
                       <a:srgbClr val="000000"/>
                     </a:solidFill>
@@ -20048,7 +20048,7 @@
               </a:ln>
               <a:extLst>
                 <a:ext uri="{91240B29-F687-4f45-9708-019B960494DF}">
-                  <a14:hiddenLine xmlns:a14="http://schemas.microsoft.com/office/drawing/2010/main" xmlns="" w="9525">
+                  <a14:hiddenLine xmlns="" xmlns:a14="http://schemas.microsoft.com/office/drawing/2010/main" w="9525">
                     <a:solidFill>
                       <a:srgbClr val="000000"/>
                     </a:solidFill>
@@ -20129,7 +20129,7 @@
               </a:ln>
               <a:extLst>
                 <a:ext uri="{91240B29-F687-4f45-9708-019B960494DF}">
-                  <a14:hiddenLine xmlns:a14="http://schemas.microsoft.com/office/drawing/2010/main" xmlns="" w="9525">
+                  <a14:hiddenLine xmlns="" xmlns:a14="http://schemas.microsoft.com/office/drawing/2010/main" w="9525">
                     <a:solidFill>
                       <a:srgbClr val="000000"/>
                     </a:solidFill>
@@ -20244,7 +20244,7 @@
               </a:ln>
               <a:extLst>
                 <a:ext uri="{91240B29-F687-4f45-9708-019B960494DF}">
-                  <a14:hiddenLine xmlns:a14="http://schemas.microsoft.com/office/drawing/2010/main" xmlns="" w="9525">
+                  <a14:hiddenLine xmlns="" xmlns:a14="http://schemas.microsoft.com/office/drawing/2010/main" w="9525">
                     <a:solidFill>
                       <a:srgbClr val="000000"/>
                     </a:solidFill>
@@ -20334,7 +20334,7 @@
               </a:ln>
               <a:extLst>
                 <a:ext uri="{91240B29-F687-4f45-9708-019B960494DF}">
-                  <a14:hiddenLine xmlns:a14="http://schemas.microsoft.com/office/drawing/2010/main" xmlns="" w="9525">
+                  <a14:hiddenLine xmlns="" xmlns:a14="http://schemas.microsoft.com/office/drawing/2010/main" w="9525">
                     <a:solidFill>
                       <a:srgbClr val="000000"/>
                     </a:solidFill>
@@ -20399,7 +20399,7 @@
               </a:ln>
               <a:extLst>
                 <a:ext uri="{91240B29-F687-4f45-9708-019B960494DF}">
-                  <a14:hiddenLine xmlns:a14="http://schemas.microsoft.com/office/drawing/2010/main" xmlns="" w="9525">
+                  <a14:hiddenLine xmlns="" xmlns:a14="http://schemas.microsoft.com/office/drawing/2010/main" w="9525">
                     <a:solidFill>
                       <a:srgbClr val="000000"/>
                     </a:solidFill>
@@ -20489,7 +20489,7 @@
               </a:ln>
               <a:extLst>
                 <a:ext uri="{91240B29-F687-4f45-9708-019B960494DF}">
-                  <a14:hiddenLine xmlns:a14="http://schemas.microsoft.com/office/drawing/2010/main" xmlns="" w="9525">
+                  <a14:hiddenLine xmlns="" xmlns:a14="http://schemas.microsoft.com/office/drawing/2010/main" w="9525">
                     <a:solidFill>
                       <a:srgbClr val="000000"/>
                     </a:solidFill>
@@ -20557,7 +20557,7 @@
               </a:ln>
               <a:extLst>
                 <a:ext uri="{91240B29-F687-4f45-9708-019B960494DF}">
-                  <a14:hiddenLine xmlns:a14="http://schemas.microsoft.com/office/drawing/2010/main" xmlns="" w="9525">
+                  <a14:hiddenLine xmlns="" xmlns:a14="http://schemas.microsoft.com/office/drawing/2010/main" w="9525">
                     <a:solidFill>
                       <a:srgbClr val="000000"/>
                     </a:solidFill>
@@ -20647,7 +20647,7 @@
               </a:ln>
               <a:extLst>
                 <a:ext uri="{91240B29-F687-4f45-9708-019B960494DF}">
-                  <a14:hiddenLine xmlns:a14="http://schemas.microsoft.com/office/drawing/2010/main" xmlns="" w="9525">
+                  <a14:hiddenLine xmlns="" xmlns:a14="http://schemas.microsoft.com/office/drawing/2010/main" w="9525">
                     <a:solidFill>
                       <a:srgbClr val="000000"/>
                     </a:solidFill>
@@ -20715,7 +20715,7 @@
               </a:ln>
               <a:extLst>
                 <a:ext uri="{91240B29-F687-4f45-9708-019B960494DF}">
-                  <a14:hiddenLine xmlns:a14="http://schemas.microsoft.com/office/drawing/2010/main" xmlns="" w="9525">
+                  <a14:hiddenLine xmlns="" xmlns:a14="http://schemas.microsoft.com/office/drawing/2010/main" w="9525">
                     <a:solidFill>
                       <a:srgbClr val="000000"/>
                     </a:solidFill>
@@ -20805,7 +20805,7 @@
               </a:ln>
               <a:extLst>
                 <a:ext uri="{91240B29-F687-4f45-9708-019B960494DF}">
-                  <a14:hiddenLine xmlns:a14="http://schemas.microsoft.com/office/drawing/2010/main" xmlns="" w="9525">
+                  <a14:hiddenLine xmlns="" xmlns:a14="http://schemas.microsoft.com/office/drawing/2010/main" w="9525">
                     <a:solidFill>
                       <a:srgbClr val="000000"/>
                     </a:solidFill>
@@ -20839,7 +20839,7 @@
               </a:ln>
               <a:extLst>
                 <a:ext uri="{91240B29-F687-4f45-9708-019B960494DF}">
-                  <a14:hiddenLine xmlns:a14="http://schemas.microsoft.com/office/drawing/2010/main" xmlns="" w="9525">
+                  <a14:hiddenLine xmlns="" xmlns:a14="http://schemas.microsoft.com/office/drawing/2010/main" w="9525">
                     <a:solidFill>
                       <a:srgbClr val="000000"/>
                     </a:solidFill>
@@ -21446,7 +21446,7 @@
           <a:noFill/>
           <a:extLst>
             <a:ext uri="{909E8E84-426E-40dd-AFC4-6F175D3DCCD1}">
-              <a14:hiddenFill xmlns:a14="http://schemas.microsoft.com/office/drawing/2010/main" xmlns="">
+              <a14:hiddenFill xmlns="" xmlns:a14="http://schemas.microsoft.com/office/drawing/2010/main">
                 <a:solidFill>
                   <a:srgbClr val="FFFFFF"/>
                 </a:solidFill>
@@ -21520,7 +21520,7 @@
               </a:ln>
               <a:extLst>
                 <a:ext uri="{91240B29-F687-4f45-9708-019B960494DF}">
-                  <a14:hiddenLine xmlns:a14="http://schemas.microsoft.com/office/drawing/2010/main" xmlns="" w="9525">
+                  <a14:hiddenLine xmlns="" xmlns:a14="http://schemas.microsoft.com/office/drawing/2010/main" w="9525">
                     <a:solidFill>
                       <a:srgbClr val="000000"/>
                     </a:solidFill>
@@ -21610,7 +21610,7 @@
               </a:ln>
               <a:extLst>
                 <a:ext uri="{91240B29-F687-4f45-9708-019B960494DF}">
-                  <a14:hiddenLine xmlns:a14="http://schemas.microsoft.com/office/drawing/2010/main" xmlns="" w="9525">
+                  <a14:hiddenLine xmlns="" xmlns:a14="http://schemas.microsoft.com/office/drawing/2010/main" w="9525">
                     <a:solidFill>
                       <a:srgbClr val="000000"/>
                     </a:solidFill>
@@ -21700,7 +21700,7 @@
               </a:ln>
               <a:extLst>
                 <a:ext uri="{91240B29-F687-4f45-9708-019B960494DF}">
-                  <a14:hiddenLine xmlns:a14="http://schemas.microsoft.com/office/drawing/2010/main" xmlns="" w="9525">
+                  <a14:hiddenLine xmlns="" xmlns:a14="http://schemas.microsoft.com/office/drawing/2010/main" w="9525">
                     <a:solidFill>
                       <a:srgbClr val="000000"/>
                     </a:solidFill>
@@ -21762,7 +21762,7 @@
               </a:ln>
               <a:extLst>
                 <a:ext uri="{91240B29-F687-4f45-9708-019B960494DF}">
-                  <a14:hiddenLine xmlns:a14="http://schemas.microsoft.com/office/drawing/2010/main" xmlns="" w="9525">
+                  <a14:hiddenLine xmlns="" xmlns:a14="http://schemas.microsoft.com/office/drawing/2010/main" w="9525">
                     <a:solidFill>
                       <a:srgbClr val="000000"/>
                     </a:solidFill>
@@ -21852,7 +21852,7 @@
               </a:ln>
               <a:extLst>
                 <a:ext uri="{91240B29-F687-4f45-9708-019B960494DF}">
-                  <a14:hiddenLine xmlns:a14="http://schemas.microsoft.com/office/drawing/2010/main" xmlns="" w="9525">
+                  <a14:hiddenLine xmlns="" xmlns:a14="http://schemas.microsoft.com/office/drawing/2010/main" w="9525">
                     <a:solidFill>
                       <a:srgbClr val="000000"/>
                     </a:solidFill>
@@ -21914,7 +21914,7 @@
               </a:ln>
               <a:extLst>
                 <a:ext uri="{91240B29-F687-4f45-9708-019B960494DF}">
-                  <a14:hiddenLine xmlns:a14="http://schemas.microsoft.com/office/drawing/2010/main" xmlns="" w="9525">
+                  <a14:hiddenLine xmlns="" xmlns:a14="http://schemas.microsoft.com/office/drawing/2010/main" w="9525">
                     <a:solidFill>
                       <a:srgbClr val="000000"/>
                     </a:solidFill>
@@ -21976,7 +21976,7 @@
               </a:ln>
               <a:extLst>
                 <a:ext uri="{91240B29-F687-4f45-9708-019B960494DF}">
-                  <a14:hiddenLine xmlns:a14="http://schemas.microsoft.com/office/drawing/2010/main" xmlns="" w="9525">
+                  <a14:hiddenLine xmlns="" xmlns:a14="http://schemas.microsoft.com/office/drawing/2010/main" w="9525">
                     <a:solidFill>
                       <a:srgbClr val="000000"/>
                     </a:solidFill>
@@ -22066,7 +22066,7 @@
               </a:ln>
               <a:extLst>
                 <a:ext uri="{91240B29-F687-4f45-9708-019B960494DF}">
-                  <a14:hiddenLine xmlns:a14="http://schemas.microsoft.com/office/drawing/2010/main" xmlns="" w="9525">
+                  <a14:hiddenLine xmlns="" xmlns:a14="http://schemas.microsoft.com/office/drawing/2010/main" w="9525">
                     <a:solidFill>
                       <a:srgbClr val="000000"/>
                     </a:solidFill>
@@ -22156,7 +22156,7 @@
               </a:ln>
               <a:extLst>
                 <a:ext uri="{91240B29-F687-4f45-9708-019B960494DF}">
-                  <a14:hiddenLine xmlns:a14="http://schemas.microsoft.com/office/drawing/2010/main" xmlns="" w="9525">
+                  <a14:hiddenLine xmlns="" xmlns:a14="http://schemas.microsoft.com/office/drawing/2010/main" w="9525">
                     <a:solidFill>
                       <a:srgbClr val="000000"/>
                     </a:solidFill>
@@ -22218,7 +22218,7 @@
               </a:ln>
               <a:extLst>
                 <a:ext uri="{91240B29-F687-4f45-9708-019B960494DF}">
-                  <a14:hiddenLine xmlns:a14="http://schemas.microsoft.com/office/drawing/2010/main" xmlns="" w="9525">
+                  <a14:hiddenLine xmlns="" xmlns:a14="http://schemas.microsoft.com/office/drawing/2010/main" w="9525">
                     <a:solidFill>
                       <a:srgbClr val="000000"/>
                     </a:solidFill>
@@ -22328,7 +22328,7 @@
               </a:ln>
               <a:extLst>
                 <a:ext uri="{91240B29-F687-4f45-9708-019B960494DF}">
-                  <a14:hiddenLine xmlns:a14="http://schemas.microsoft.com/office/drawing/2010/main" xmlns="" w="9525">
+                  <a14:hiddenLine xmlns="" xmlns:a14="http://schemas.microsoft.com/office/drawing/2010/main" w="9525">
                     <a:solidFill>
                       <a:srgbClr val="000000"/>
                     </a:solidFill>
@@ -22412,7 +22412,7 @@
               </a:ln>
               <a:extLst>
                 <a:ext uri="{91240B29-F687-4f45-9708-019B960494DF}">
-                  <a14:hiddenLine xmlns:a14="http://schemas.microsoft.com/office/drawing/2010/main" xmlns="" w="9525">
+                  <a14:hiddenLine xmlns="" xmlns:a14="http://schemas.microsoft.com/office/drawing/2010/main" w="9525">
                     <a:solidFill>
                       <a:srgbClr val="000000"/>
                     </a:solidFill>
@@ -22474,7 +22474,7 @@
               </a:ln>
               <a:extLst>
                 <a:ext uri="{91240B29-F687-4f45-9708-019B960494DF}">
-                  <a14:hiddenLine xmlns:a14="http://schemas.microsoft.com/office/drawing/2010/main" xmlns="" w="9525">
+                  <a14:hiddenLine xmlns="" xmlns:a14="http://schemas.microsoft.com/office/drawing/2010/main" w="9525">
                     <a:solidFill>
                       <a:srgbClr val="000000"/>
                     </a:solidFill>
@@ -22536,7 +22536,7 @@
               </a:ln>
               <a:extLst>
                 <a:ext uri="{91240B29-F687-4f45-9708-019B960494DF}">
-                  <a14:hiddenLine xmlns:a14="http://schemas.microsoft.com/office/drawing/2010/main" xmlns="" w="9525">
+                  <a14:hiddenLine xmlns="" xmlns:a14="http://schemas.microsoft.com/office/drawing/2010/main" w="9525">
                     <a:solidFill>
                       <a:srgbClr val="000000"/>
                     </a:solidFill>
@@ -22626,7 +22626,7 @@
               </a:ln>
               <a:extLst>
                 <a:ext uri="{91240B29-F687-4f45-9708-019B960494DF}">
-                  <a14:hiddenLine xmlns:a14="http://schemas.microsoft.com/office/drawing/2010/main" xmlns="" w="9525">
+                  <a14:hiddenLine xmlns="" xmlns:a14="http://schemas.microsoft.com/office/drawing/2010/main" w="9525">
                     <a:solidFill>
                       <a:srgbClr val="000000"/>
                     </a:solidFill>
@@ -22660,7 +22660,7 @@
               </a:ln>
               <a:extLst>
                 <a:ext uri="{91240B29-F687-4f45-9708-019B960494DF}">
-                  <a14:hiddenLine xmlns:a14="http://schemas.microsoft.com/office/drawing/2010/main" xmlns="" w="9525">
+                  <a14:hiddenLine xmlns="" xmlns:a14="http://schemas.microsoft.com/office/drawing/2010/main" w="9525">
                     <a:solidFill>
                       <a:srgbClr val="000000"/>
                     </a:solidFill>
@@ -22725,7 +22725,7 @@
               </a:ln>
               <a:extLst>
                 <a:ext uri="{91240B29-F687-4f45-9708-019B960494DF}">
-                  <a14:hiddenLine xmlns:a14="http://schemas.microsoft.com/office/drawing/2010/main" xmlns="" w="9525">
+                  <a14:hiddenLine xmlns="" xmlns:a14="http://schemas.microsoft.com/office/drawing/2010/main" w="9525">
                     <a:solidFill>
                       <a:srgbClr val="000000"/>
                     </a:solidFill>
@@ -22815,7 +22815,7 @@
               </a:ln>
               <a:extLst>
                 <a:ext uri="{91240B29-F687-4f45-9708-019B960494DF}">
-                  <a14:hiddenLine xmlns:a14="http://schemas.microsoft.com/office/drawing/2010/main" xmlns="" w="9525">
+                  <a14:hiddenLine xmlns="" xmlns:a14="http://schemas.microsoft.com/office/drawing/2010/main" w="9525">
                     <a:solidFill>
                       <a:srgbClr val="000000"/>
                     </a:solidFill>
@@ -22877,7 +22877,7 @@
               </a:ln>
               <a:extLst>
                 <a:ext uri="{91240B29-F687-4f45-9708-019B960494DF}">
-                  <a14:hiddenLine xmlns:a14="http://schemas.microsoft.com/office/drawing/2010/main" xmlns="" w="9525">
+                  <a14:hiddenLine xmlns="" xmlns:a14="http://schemas.microsoft.com/office/drawing/2010/main" w="9525">
                     <a:solidFill>
                       <a:srgbClr val="000000"/>
                     </a:solidFill>
@@ -22967,7 +22967,7 @@
               </a:ln>
               <a:extLst>
                 <a:ext uri="{91240B29-F687-4f45-9708-019B960494DF}">
-                  <a14:hiddenLine xmlns:a14="http://schemas.microsoft.com/office/drawing/2010/main" xmlns="" w="9525">
+                  <a14:hiddenLine xmlns="" xmlns:a14="http://schemas.microsoft.com/office/drawing/2010/main" w="9525">
                     <a:solidFill>
                       <a:srgbClr val="000000"/>
                     </a:solidFill>
@@ -23032,7 +23032,7 @@
               </a:ln>
               <a:extLst>
                 <a:ext uri="{91240B29-F687-4f45-9708-019B960494DF}">
-                  <a14:hiddenLine xmlns:a14="http://schemas.microsoft.com/office/drawing/2010/main" xmlns="" w="9525">
+                  <a14:hiddenLine xmlns="" xmlns:a14="http://schemas.microsoft.com/office/drawing/2010/main" w="9525">
                     <a:solidFill>
                       <a:srgbClr val="000000"/>
                     </a:solidFill>
@@ -23094,7 +23094,7 @@
               </a:ln>
               <a:extLst>
                 <a:ext uri="{91240B29-F687-4f45-9708-019B960494DF}">
-                  <a14:hiddenLine xmlns:a14="http://schemas.microsoft.com/office/drawing/2010/main" xmlns="" w="9525">
+                  <a14:hiddenLine xmlns="" xmlns:a14="http://schemas.microsoft.com/office/drawing/2010/main" w="9525">
                     <a:solidFill>
                       <a:srgbClr val="000000"/>
                     </a:solidFill>
@@ -23184,7 +23184,7 @@
               </a:ln>
               <a:extLst>
                 <a:ext uri="{91240B29-F687-4f45-9708-019B960494DF}">
-                  <a14:hiddenLine xmlns:a14="http://schemas.microsoft.com/office/drawing/2010/main" xmlns="" w="9525">
+                  <a14:hiddenLine xmlns="" xmlns:a14="http://schemas.microsoft.com/office/drawing/2010/main" w="9525">
                     <a:solidFill>
                       <a:srgbClr val="000000"/>
                     </a:solidFill>
@@ -23274,7 +23274,7 @@
               </a:ln>
               <a:extLst>
                 <a:ext uri="{91240B29-F687-4f45-9708-019B960494DF}">
-                  <a14:hiddenLine xmlns:a14="http://schemas.microsoft.com/office/drawing/2010/main" xmlns="" w="9525">
+                  <a14:hiddenLine xmlns="" xmlns:a14="http://schemas.microsoft.com/office/drawing/2010/main" w="9525">
                     <a:solidFill>
                       <a:srgbClr val="000000"/>
                     </a:solidFill>
@@ -23339,7 +23339,7 @@
               </a:ln>
               <a:extLst>
                 <a:ext uri="{91240B29-F687-4f45-9708-019B960494DF}">
-                  <a14:hiddenLine xmlns:a14="http://schemas.microsoft.com/office/drawing/2010/main" xmlns="" w="9525">
+                  <a14:hiddenLine xmlns="" xmlns:a14="http://schemas.microsoft.com/office/drawing/2010/main" w="9525">
                     <a:solidFill>
                       <a:srgbClr val="000000"/>
                     </a:solidFill>
@@ -23459,7 +23459,7 @@
               </a:ln>
               <a:extLst>
                 <a:ext uri="{91240B29-F687-4f45-9708-019B960494DF}">
-                  <a14:hiddenLine xmlns:a14="http://schemas.microsoft.com/office/drawing/2010/main" xmlns="" w="9525">
+                  <a14:hiddenLine xmlns="" xmlns:a14="http://schemas.microsoft.com/office/drawing/2010/main" w="9525">
                     <a:solidFill>
                       <a:srgbClr val="000000"/>
                     </a:solidFill>
@@ -23540,7 +23540,7 @@
               </a:ln>
               <a:extLst>
                 <a:ext uri="{91240B29-F687-4f45-9708-019B960494DF}">
-                  <a14:hiddenLine xmlns:a14="http://schemas.microsoft.com/office/drawing/2010/main" xmlns="" w="9525">
+                  <a14:hiddenLine xmlns="" xmlns:a14="http://schemas.microsoft.com/office/drawing/2010/main" w="9525">
                     <a:solidFill>
                       <a:srgbClr val="000000"/>
                     </a:solidFill>
@@ -23655,7 +23655,7 @@
               </a:ln>
               <a:extLst>
                 <a:ext uri="{91240B29-F687-4f45-9708-019B960494DF}">
-                  <a14:hiddenLine xmlns:a14="http://schemas.microsoft.com/office/drawing/2010/main" xmlns="" w="9525">
+                  <a14:hiddenLine xmlns="" xmlns:a14="http://schemas.microsoft.com/office/drawing/2010/main" w="9525">
                     <a:solidFill>
                       <a:srgbClr val="000000"/>
                     </a:solidFill>
@@ -23745,7 +23745,7 @@
               </a:ln>
               <a:extLst>
                 <a:ext uri="{91240B29-F687-4f45-9708-019B960494DF}">
-                  <a14:hiddenLine xmlns:a14="http://schemas.microsoft.com/office/drawing/2010/main" xmlns="" w="9525">
+                  <a14:hiddenLine xmlns="" xmlns:a14="http://schemas.microsoft.com/office/drawing/2010/main" w="9525">
                     <a:solidFill>
                       <a:srgbClr val="000000"/>
                     </a:solidFill>
@@ -23810,7 +23810,7 @@
               </a:ln>
               <a:extLst>
                 <a:ext uri="{91240B29-F687-4f45-9708-019B960494DF}">
-                  <a14:hiddenLine xmlns:a14="http://schemas.microsoft.com/office/drawing/2010/main" xmlns="" w="9525">
+                  <a14:hiddenLine xmlns="" xmlns:a14="http://schemas.microsoft.com/office/drawing/2010/main" w="9525">
                     <a:solidFill>
                       <a:srgbClr val="000000"/>
                     </a:solidFill>
@@ -23900,7 +23900,7 @@
               </a:ln>
               <a:extLst>
                 <a:ext uri="{91240B29-F687-4f45-9708-019B960494DF}">
-                  <a14:hiddenLine xmlns:a14="http://schemas.microsoft.com/office/drawing/2010/main" xmlns="" w="9525">
+                  <a14:hiddenLine xmlns="" xmlns:a14="http://schemas.microsoft.com/office/drawing/2010/main" w="9525">
                     <a:solidFill>
                       <a:srgbClr val="000000"/>
                     </a:solidFill>
@@ -23968,7 +23968,7 @@
               </a:ln>
               <a:extLst>
                 <a:ext uri="{91240B29-F687-4f45-9708-019B960494DF}">
-                  <a14:hiddenLine xmlns:a14="http://schemas.microsoft.com/office/drawing/2010/main" xmlns="" w="9525">
+                  <a14:hiddenLine xmlns="" xmlns:a14="http://schemas.microsoft.com/office/drawing/2010/main" w="9525">
                     <a:solidFill>
                       <a:srgbClr val="000000"/>
                     </a:solidFill>
@@ -24058,7 +24058,7 @@
               </a:ln>
               <a:extLst>
                 <a:ext uri="{91240B29-F687-4f45-9708-019B960494DF}">
-                  <a14:hiddenLine xmlns:a14="http://schemas.microsoft.com/office/drawing/2010/main" xmlns="" w="9525">
+                  <a14:hiddenLine xmlns="" xmlns:a14="http://schemas.microsoft.com/office/drawing/2010/main" w="9525">
                     <a:solidFill>
                       <a:srgbClr val="000000"/>
                     </a:solidFill>
@@ -24126,7 +24126,7 @@
               </a:ln>
               <a:extLst>
                 <a:ext uri="{91240B29-F687-4f45-9708-019B960494DF}">
-                  <a14:hiddenLine xmlns:a14="http://schemas.microsoft.com/office/drawing/2010/main" xmlns="" w="9525">
+                  <a14:hiddenLine xmlns="" xmlns:a14="http://schemas.microsoft.com/office/drawing/2010/main" w="9525">
                     <a:solidFill>
                       <a:srgbClr val="000000"/>
                     </a:solidFill>
@@ -24216,7 +24216,7 @@
               </a:ln>
               <a:extLst>
                 <a:ext uri="{91240B29-F687-4f45-9708-019B960494DF}">
-                  <a14:hiddenLine xmlns:a14="http://schemas.microsoft.com/office/drawing/2010/main" xmlns="" w="9525">
+                  <a14:hiddenLine xmlns="" xmlns:a14="http://schemas.microsoft.com/office/drawing/2010/main" w="9525">
                     <a:solidFill>
                       <a:srgbClr val="000000"/>
                     </a:solidFill>
@@ -24250,7 +24250,7 @@
               </a:ln>
               <a:extLst>
                 <a:ext uri="{91240B29-F687-4f45-9708-019B960494DF}">
-                  <a14:hiddenLine xmlns:a14="http://schemas.microsoft.com/office/drawing/2010/main" xmlns="" w="9525">
+                  <a14:hiddenLine xmlns="" xmlns:a14="http://schemas.microsoft.com/office/drawing/2010/main" w="9525">
                     <a:solidFill>
                       <a:srgbClr val="000000"/>
                     </a:solidFill>
@@ -24950,7 +24950,7 @@
               </a:rPr>
             </a:br>
             <a:r>
-              <a:rPr lang="en-US" sz="6000" cap="none" dirty="0">
+              <a:rPr lang="en-US" sz="3200" cap="none" dirty="0">
                 <a:ln w="0"/>
                 <a:gradFill>
                   <a:gsLst>
@@ -24968,7 +24968,7 @@
               <a:t>http://</a:t>
             </a:r>
             <a:r>
-              <a:rPr lang="en-US" sz="6000" cap="none" dirty="0" smtClean="0">
+              <a:rPr lang="en-US" sz="3200" cap="none" dirty="0" smtClean="0">
                 <a:ln w="0"/>
                 <a:gradFill>
                   <a:gsLst>
@@ -25119,53 +25119,8 @@
                   </a:outerShdw>
                 </a:effectLst>
               </a:rPr>
-              <a:t>Web-fundamentals teamwork, </a:t>
+              <a:t>Web-fundamentals teamwork, team cadmium-red</a:t>
             </a:r>
-            <a:r>
-              <a:rPr lang="en-US" sz="2800" cap="none" dirty="0" smtClean="0">
-                <a:ln w="0"/>
-                <a:solidFill>
-                  <a:schemeClr val="tx1"/>
-                </a:solidFill>
-                <a:effectLst>
-                  <a:outerShdw blurRad="38100" dist="19050" dir="2700000" algn="tl" rotWithShape="0">
-                    <a:schemeClr val="dk1">
-                      <a:alpha val="40000"/>
-                    </a:schemeClr>
-                  </a:outerShdw>
-                </a:effectLst>
-              </a:rPr>
-              <a:t>team </a:t>
-            </a:r>
-            <a:r>
-              <a:rPr lang="en-US" sz="2800" cap="none" dirty="0" smtClean="0">
-                <a:ln w="0"/>
-                <a:solidFill>
-                  <a:schemeClr val="tx1"/>
-                </a:solidFill>
-                <a:effectLst>
-                  <a:outerShdw blurRad="38100" dist="19050" dir="2700000" algn="tl" rotWithShape="0">
-                    <a:schemeClr val="dk1">
-                      <a:alpha val="40000"/>
-                    </a:schemeClr>
-                  </a:outerShdw>
-                </a:effectLst>
-              </a:rPr>
-              <a:t>cadmium-red</a:t>
-            </a:r>
-            <a:endParaRPr lang="en-US" sz="2800" cap="none" dirty="0" smtClean="0">
-              <a:ln w="0"/>
-              <a:solidFill>
-                <a:schemeClr val="tx1"/>
-              </a:solidFill>
-              <a:effectLst>
-                <a:outerShdw blurRad="38100" dist="19050" dir="2700000" algn="tl" rotWithShape="0">
-                  <a:schemeClr val="dk1">
-                    <a:alpha val="40000"/>
-                  </a:schemeClr>
-                </a:outerShdw>
-              </a:effectLst>
-            </a:endParaRPr>
           </a:p>
           <a:p>
             <a:r>
@@ -25198,23 +25153,7 @@
                   </a:outerShdw>
                 </a:effectLst>
               </a:rPr>
-              <a:t>, </a:t>
-            </a:r>
-            <a:r>
-              <a:rPr lang="en-US" sz="2800" cap="none" dirty="0" smtClean="0">
-                <a:ln w="0"/>
-                <a:solidFill>
-                  <a:schemeClr val="tx1"/>
-                </a:solidFill>
-                <a:effectLst>
-                  <a:outerShdw blurRad="38100" dist="19050" dir="2700000" algn="tl" rotWithShape="0">
-                    <a:schemeClr val="dk1">
-                      <a:alpha val="40000"/>
-                    </a:schemeClr>
-                  </a:outerShdw>
-                </a:effectLst>
-              </a:rPr>
-              <a:t>October 2014</a:t>
+              <a:t>, October 2014</a:t>
             </a:r>
             <a:endParaRPr lang="en-US" sz="2800" cap="none" dirty="0">
               <a:ln w="0"/>
@@ -25358,13 +25297,8 @@
           <a:p>
             <a:r>
               <a:rPr lang="en-US" sz="2800" dirty="0" smtClean="0"/>
-              <a:t>Name – </a:t>
+              <a:t>Name – “Hardcore University”</a:t>
             </a:r>
-            <a:r>
-              <a:rPr lang="en-US" sz="2800" dirty="0" smtClean="0"/>
-              <a:t>“Hardcore University”</a:t>
-            </a:r>
-            <a:endParaRPr lang="en-US" sz="2800" dirty="0" smtClean="0"/>
           </a:p>
           <a:p>
             <a:endParaRPr lang="en-US" sz="2800" dirty="0"/>
@@ -25648,8 +25582,12 @@
           </a:p>
           <a:p>
             <a:r>
+              <a:rPr lang="en-US" sz="2000" dirty="0" err="1" smtClean="0"/>
+              <a:t>KickStart</a:t>
+            </a:r>
+            <a:r>
               <a:rPr lang="en-US" sz="2000" dirty="0" smtClean="0"/>
-              <a:t>Bootstrap</a:t>
+              <a:t>, Bootstrap</a:t>
             </a:r>
             <a:endParaRPr lang="en-US" sz="2000" dirty="0" smtClean="0"/>
           </a:p>
@@ -25664,7 +25602,6 @@
               <a:rPr lang="en-US" sz="2000" dirty="0" smtClean="0"/>
               <a:t>PHP</a:t>
             </a:r>
-            <a:endParaRPr lang="en-US" sz="2000" dirty="0" smtClean="0"/>
           </a:p>
           <a:p>
             <a:r>
